--- a/img/img.pptx
+++ b/img/img.pptx
@@ -6,6 +6,7 @@
   </p:sldMasterIdLst>
   <p:sldIdLst>
     <p:sldId id="256" r:id="rId2"/>
+    <p:sldId id="257" r:id="rId3"/>
   </p:sldIdLst>
   <p:sldSz cx="12192000" cy="6858000"/>
   <p:notesSz cx="6858000" cy="9144000"/>
@@ -104,6 +105,11 @@
       </a:defRPr>
     </a:lvl9pPr>
   </p:defaultTextStyle>
+  <p:extLst>
+    <p:ext uri="{EFAFB233-063F-42B5-8137-9DF3F51BA10A}">
+      <p15:sldGuideLst xmlns:p15="http://schemas.microsoft.com/office/powerpoint/2012/main"/>
+    </p:ext>
+  </p:extLst>
 </p:presentation>
 </file>
 
@@ -254,7 +260,7 @@
           <a:p>
             <a:fld id="{B24269AA-6B5D-4D5A-B50E-E1467D37A8CC}" type="datetimeFigureOut">
               <a:rPr lang="ko-KR" altLang="en-US" smtClean="0"/>
-              <a:t>2020-09-30</a:t>
+              <a:t>2020-11-21</a:t>
             </a:fld>
             <a:endParaRPr lang="ko-KR" altLang="en-US"/>
           </a:p>
@@ -452,7 +458,7 @@
           <a:p>
             <a:fld id="{B24269AA-6B5D-4D5A-B50E-E1467D37A8CC}" type="datetimeFigureOut">
               <a:rPr lang="ko-KR" altLang="en-US" smtClean="0"/>
-              <a:t>2020-09-30</a:t>
+              <a:t>2020-11-21</a:t>
             </a:fld>
             <a:endParaRPr lang="ko-KR" altLang="en-US"/>
           </a:p>
@@ -660,7 +666,7 @@
           <a:p>
             <a:fld id="{B24269AA-6B5D-4D5A-B50E-E1467D37A8CC}" type="datetimeFigureOut">
               <a:rPr lang="ko-KR" altLang="en-US" smtClean="0"/>
-              <a:t>2020-09-30</a:t>
+              <a:t>2020-11-21</a:t>
             </a:fld>
             <a:endParaRPr lang="ko-KR" altLang="en-US"/>
           </a:p>
@@ -858,7 +864,7 @@
           <a:p>
             <a:fld id="{B24269AA-6B5D-4D5A-B50E-E1467D37A8CC}" type="datetimeFigureOut">
               <a:rPr lang="ko-KR" altLang="en-US" smtClean="0"/>
-              <a:t>2020-09-30</a:t>
+              <a:t>2020-11-21</a:t>
             </a:fld>
             <a:endParaRPr lang="ko-KR" altLang="en-US"/>
           </a:p>
@@ -1133,7 +1139,7 @@
           <a:p>
             <a:fld id="{B24269AA-6B5D-4D5A-B50E-E1467D37A8CC}" type="datetimeFigureOut">
               <a:rPr lang="ko-KR" altLang="en-US" smtClean="0"/>
-              <a:t>2020-09-30</a:t>
+              <a:t>2020-11-21</a:t>
             </a:fld>
             <a:endParaRPr lang="ko-KR" altLang="en-US"/>
           </a:p>
@@ -1398,7 +1404,7 @@
           <a:p>
             <a:fld id="{B24269AA-6B5D-4D5A-B50E-E1467D37A8CC}" type="datetimeFigureOut">
               <a:rPr lang="ko-KR" altLang="en-US" smtClean="0"/>
-              <a:t>2020-09-30</a:t>
+              <a:t>2020-11-21</a:t>
             </a:fld>
             <a:endParaRPr lang="ko-KR" altLang="en-US"/>
           </a:p>
@@ -1810,7 +1816,7 @@
           <a:p>
             <a:fld id="{B24269AA-6B5D-4D5A-B50E-E1467D37A8CC}" type="datetimeFigureOut">
               <a:rPr lang="ko-KR" altLang="en-US" smtClean="0"/>
-              <a:t>2020-09-30</a:t>
+              <a:t>2020-11-21</a:t>
             </a:fld>
             <a:endParaRPr lang="ko-KR" altLang="en-US"/>
           </a:p>
@@ -1951,7 +1957,7 @@
           <a:p>
             <a:fld id="{B24269AA-6B5D-4D5A-B50E-E1467D37A8CC}" type="datetimeFigureOut">
               <a:rPr lang="ko-KR" altLang="en-US" smtClean="0"/>
-              <a:t>2020-09-30</a:t>
+              <a:t>2020-11-21</a:t>
             </a:fld>
             <a:endParaRPr lang="ko-KR" altLang="en-US"/>
           </a:p>
@@ -2064,7 +2070,7 @@
           <a:p>
             <a:fld id="{B24269AA-6B5D-4D5A-B50E-E1467D37A8CC}" type="datetimeFigureOut">
               <a:rPr lang="ko-KR" altLang="en-US" smtClean="0"/>
-              <a:t>2020-09-30</a:t>
+              <a:t>2020-11-21</a:t>
             </a:fld>
             <a:endParaRPr lang="ko-KR" altLang="en-US"/>
           </a:p>
@@ -2375,7 +2381,7 @@
           <a:p>
             <a:fld id="{B24269AA-6B5D-4D5A-B50E-E1467D37A8CC}" type="datetimeFigureOut">
               <a:rPr lang="ko-KR" altLang="en-US" smtClean="0"/>
-              <a:t>2020-09-30</a:t>
+              <a:t>2020-11-21</a:t>
             </a:fld>
             <a:endParaRPr lang="ko-KR" altLang="en-US"/>
           </a:p>
@@ -2663,7 +2669,7 @@
           <a:p>
             <a:fld id="{B24269AA-6B5D-4D5A-B50E-E1467D37A8CC}" type="datetimeFigureOut">
               <a:rPr lang="ko-KR" altLang="en-US" smtClean="0"/>
-              <a:t>2020-09-30</a:t>
+              <a:t>2020-11-21</a:t>
             </a:fld>
             <a:endParaRPr lang="ko-KR" altLang="en-US"/>
           </a:p>
@@ -2904,7 +2910,7 @@
           <a:p>
             <a:fld id="{B24269AA-6B5D-4D5A-B50E-E1467D37A8CC}" type="datetimeFigureOut">
               <a:rPr lang="ko-KR" altLang="en-US" smtClean="0"/>
-              <a:t>2020-09-30</a:t>
+              <a:t>2020-11-21</a:t>
             </a:fld>
             <a:endParaRPr lang="ko-KR" altLang="en-US"/>
           </a:p>
@@ -3564,6 +3570,353 @@
 </p:sld>
 </file>
 
+<file path=ppt/slides/slide2.xml><?xml version="1.0" encoding="utf-8"?>
+<p:sld xmlns:a="http://schemas.openxmlformats.org/drawingml/2006/main" xmlns:r="http://schemas.openxmlformats.org/officeDocument/2006/relationships" xmlns:p="http://schemas.openxmlformats.org/presentationml/2006/main">
+  <p:cSld>
+    <p:bg>
+      <p:bgPr>
+        <a:solidFill>
+          <a:schemeClr val="tx1"/>
+        </a:solidFill>
+        <a:effectLst/>
+      </p:bgPr>
+    </p:bg>
+    <p:spTree>
+      <p:nvGrpSpPr>
+        <p:cNvPr id="1" name=""/>
+        <p:cNvGrpSpPr/>
+        <p:nvPr/>
+      </p:nvGrpSpPr>
+      <p:grpSpPr>
+        <a:xfrm>
+          <a:off x="0" y="0"/>
+          <a:ext cx="0" cy="0"/>
+          <a:chOff x="0" y="0"/>
+          <a:chExt cx="0" cy="0"/>
+        </a:xfrm>
+      </p:grpSpPr>
+      <p:sp>
+        <p:nvSpPr>
+          <p:cNvPr id="4" name="TextBox 3">
+            <a:extLst>
+              <a:ext uri="{FF2B5EF4-FFF2-40B4-BE49-F238E27FC236}">
+                <a16:creationId xmlns:a16="http://schemas.microsoft.com/office/drawing/2014/main" id="{34E78129-C08E-4932-9C65-01BB59B18767}"/>
+              </a:ext>
+            </a:extLst>
+          </p:cNvPr>
+          <p:cNvSpPr txBox="1"/>
+          <p:nvPr/>
+        </p:nvSpPr>
+        <p:spPr>
+          <a:xfrm>
+            <a:off x="3649224" y="1975367"/>
+            <a:ext cx="5198352" cy="1107996"/>
+          </a:xfrm>
+          <a:prstGeom prst="rect">
+            <a:avLst/>
+          </a:prstGeom>
+          <a:noFill/>
+        </p:spPr>
+        <p:txBody>
+          <a:bodyPr wrap="square" rtlCol="0">
+            <a:spAutoFit/>
+          </a:bodyPr>
+          <a:lstStyle/>
+          <a:p>
+            <a:r>
+              <a:rPr lang="en-US" altLang="ko-KR" sz="6600">
+                <a:gradFill flip="none" rotWithShape="1">
+                  <a:gsLst>
+                    <a:gs pos="0">
+                      <a:srgbClr val="2FE0EC"/>
+                    </a:gs>
+                    <a:gs pos="100000">
+                      <a:srgbClr val="3E78FB"/>
+                    </a:gs>
+                  </a:gsLst>
+                  <a:lin ang="0" scaled="1"/>
+                  <a:tileRect/>
+                </a:gradFill>
+                <a:latin typeface="나눔스퀘어_ac ExtraBold" panose="020B0600000101010101" pitchFamily="50" charset="-127"/>
+                <a:ea typeface="나눔스퀘어_ac ExtraBold" panose="020B0600000101010101" pitchFamily="50" charset="-127"/>
+              </a:rPr>
+              <a:t>DEV EVENT</a:t>
+            </a:r>
+            <a:endParaRPr lang="ko-KR" altLang="en-US" sz="6600">
+              <a:gradFill flip="none" rotWithShape="1">
+                <a:gsLst>
+                  <a:gs pos="0">
+                    <a:srgbClr val="2FE0EC"/>
+                  </a:gs>
+                  <a:gs pos="100000">
+                    <a:srgbClr val="3E78FB"/>
+                  </a:gs>
+                </a:gsLst>
+                <a:lin ang="0" scaled="1"/>
+                <a:tileRect/>
+              </a:gradFill>
+              <a:latin typeface="나눔스퀘어_ac ExtraBold" panose="020B0600000101010101" pitchFamily="50" charset="-127"/>
+              <a:ea typeface="나눔스퀘어_ac ExtraBold" panose="020B0600000101010101" pitchFamily="50" charset="-127"/>
+            </a:endParaRPr>
+          </a:p>
+        </p:txBody>
+      </p:sp>
+      <p:sp>
+        <p:nvSpPr>
+          <p:cNvPr id="5" name="직사각형 4">
+            <a:extLst>
+              <a:ext uri="{FF2B5EF4-FFF2-40B4-BE49-F238E27FC236}">
+                <a16:creationId xmlns:a16="http://schemas.microsoft.com/office/drawing/2014/main" id="{B4D525C2-5224-4BEF-9454-F42A2DF4E3EC}"/>
+              </a:ext>
+            </a:extLst>
+          </p:cNvPr>
+          <p:cNvSpPr/>
+          <p:nvPr/>
+        </p:nvSpPr>
+        <p:spPr>
+          <a:xfrm>
+            <a:off x="2087418" y="1698170"/>
+            <a:ext cx="8321964" cy="2500605"/>
+          </a:xfrm>
+          <a:prstGeom prst="rect">
+            <a:avLst/>
+          </a:prstGeom>
+          <a:noFill/>
+          <a:ln>
+            <a:solidFill>
+              <a:schemeClr val="bg1"/>
+            </a:solidFill>
+          </a:ln>
+        </p:spPr>
+        <p:style>
+          <a:lnRef idx="2">
+            <a:schemeClr val="accent1">
+              <a:shade val="50000"/>
+            </a:schemeClr>
+          </a:lnRef>
+          <a:fillRef idx="1">
+            <a:schemeClr val="accent1"/>
+          </a:fillRef>
+          <a:effectRef idx="0">
+            <a:schemeClr val="accent1"/>
+          </a:effectRef>
+          <a:fontRef idx="minor">
+            <a:schemeClr val="lt1"/>
+          </a:fontRef>
+        </p:style>
+        <p:txBody>
+          <a:bodyPr rtlCol="0" anchor="ctr"/>
+          <a:lstStyle/>
+          <a:p>
+            <a:pPr algn="ctr"/>
+            <a:endParaRPr lang="ko-KR" altLang="en-US"/>
+          </a:p>
+        </p:txBody>
+      </p:sp>
+      <p:sp>
+        <p:nvSpPr>
+          <p:cNvPr id="6" name="TextBox 5">
+            <a:extLst>
+              <a:ext uri="{FF2B5EF4-FFF2-40B4-BE49-F238E27FC236}">
+                <a16:creationId xmlns:a16="http://schemas.microsoft.com/office/drawing/2014/main" id="{60779B3E-CC2D-4F39-A9FB-7F60EF8DA00C}"/>
+              </a:ext>
+            </a:extLst>
+          </p:cNvPr>
+          <p:cNvSpPr txBox="1"/>
+          <p:nvPr/>
+        </p:nvSpPr>
+        <p:spPr>
+          <a:xfrm>
+            <a:off x="3745346" y="3830672"/>
+            <a:ext cx="4701308" cy="307777"/>
+          </a:xfrm>
+          <a:prstGeom prst="rect">
+            <a:avLst/>
+          </a:prstGeom>
+          <a:noFill/>
+        </p:spPr>
+        <p:txBody>
+          <a:bodyPr wrap="square" rtlCol="0">
+            <a:spAutoFit/>
+          </a:bodyPr>
+          <a:lstStyle/>
+          <a:p>
+            <a:pPr algn="ctr"/>
+            <a:r>
+              <a:rPr lang="ko-KR" altLang="en-US" sz="1400">
+                <a:solidFill>
+                  <a:schemeClr val="bg1"/>
+                </a:solidFill>
+                <a:latin typeface="여기어때 잘난체 OTF" panose="020B0600000101010101" pitchFamily="34" charset="-127"/>
+                <a:ea typeface="여기어때 잘난체 OTF" panose="020B0600000101010101" pitchFamily="34" charset="-127"/>
+              </a:rPr>
+              <a:t>용감한 친구들</a:t>
+            </a:r>
+            <a:r>
+              <a:rPr lang="ko-KR" altLang="en-US" sz="1400" b="0" i="0">
+                <a:solidFill>
+                  <a:schemeClr val="bg1"/>
+                </a:solidFill>
+                <a:effectLst/>
+                <a:latin typeface="나눔스퀘어_ac ExtraBold" panose="020B0600000101010101" pitchFamily="50" charset="-127"/>
+                <a:ea typeface="나눔스퀘어_ac ExtraBold" panose="020B0600000101010101" pitchFamily="50" charset="-127"/>
+              </a:rPr>
+              <a:t> </a:t>
+            </a:r>
+            <a:r>
+              <a:rPr lang="en-US" altLang="ko-KR" sz="1400">
+                <a:solidFill>
+                  <a:schemeClr val="bg1"/>
+                </a:solidFill>
+                <a:latin typeface="나눔스퀘어_ac ExtraBold" panose="020B0600000101010101" pitchFamily="50" charset="-127"/>
+                <a:ea typeface="나눔스퀘어_ac ExtraBold" panose="020B0600000101010101" pitchFamily="50" charset="-127"/>
+              </a:rPr>
+              <a:t>with</a:t>
+            </a:r>
+            <a:r>
+              <a:rPr lang="en-US" altLang="ko-KR" sz="1400" b="0" i="0">
+                <a:solidFill>
+                  <a:schemeClr val="bg1"/>
+                </a:solidFill>
+                <a:effectLst/>
+                <a:latin typeface="나눔스퀘어_ac ExtraBold" panose="020B0600000101010101" pitchFamily="50" charset="-127"/>
+                <a:ea typeface="나눔스퀘어_ac ExtraBold" panose="020B0600000101010101" pitchFamily="50" charset="-127"/>
+              </a:rPr>
+              <a:t> </a:t>
+            </a:r>
+            <a:r>
+              <a:rPr lang="ko-KR" altLang="en-US" sz="1400" b="0" i="0">
+                <a:solidFill>
+                  <a:schemeClr val="bg1"/>
+                </a:solidFill>
+                <a:effectLst/>
+                <a:latin typeface="나눔스퀘어_ac ExtraBold" panose="020B0600000101010101" pitchFamily="50" charset="-127"/>
+                <a:ea typeface="나눔스퀘어_ac ExtraBold" panose="020B0600000101010101" pitchFamily="50" charset="-127"/>
+              </a:rPr>
+              <a:t>남송리 삼번지 </a:t>
+            </a:r>
+            <a:endParaRPr lang="en-US" altLang="ko-KR" sz="1400" b="0" i="0">
+              <a:solidFill>
+                <a:schemeClr val="bg1"/>
+              </a:solidFill>
+              <a:effectLst/>
+              <a:latin typeface="나눔스퀘어_ac ExtraBold" panose="020B0600000101010101" pitchFamily="50" charset="-127"/>
+              <a:ea typeface="나눔스퀘어_ac ExtraBold" panose="020B0600000101010101" pitchFamily="50" charset="-127"/>
+            </a:endParaRPr>
+          </a:p>
+        </p:txBody>
+      </p:sp>
+      <p:sp>
+        <p:nvSpPr>
+          <p:cNvPr id="8" name="TextBox 7">
+            <a:extLst>
+              <a:ext uri="{FF2B5EF4-FFF2-40B4-BE49-F238E27FC236}">
+                <a16:creationId xmlns:a16="http://schemas.microsoft.com/office/drawing/2014/main" id="{4F39EC5A-C906-4EA4-8673-EFF4658AD7A4}"/>
+              </a:ext>
+            </a:extLst>
+          </p:cNvPr>
+          <p:cNvSpPr txBox="1"/>
+          <p:nvPr/>
+        </p:nvSpPr>
+        <p:spPr>
+          <a:xfrm>
+            <a:off x="6591725" y="2822530"/>
+            <a:ext cx="1826936" cy="276999"/>
+          </a:xfrm>
+          <a:prstGeom prst="rect">
+            <a:avLst/>
+          </a:prstGeom>
+          <a:noFill/>
+        </p:spPr>
+        <p:txBody>
+          <a:bodyPr wrap="square" rtlCol="0">
+            <a:spAutoFit/>
+          </a:bodyPr>
+          <a:lstStyle/>
+          <a:p>
+            <a:pPr algn="r"/>
+            <a:r>
+              <a:rPr lang="en-US" altLang="ko-KR" sz="1200">
+                <a:solidFill>
+                  <a:schemeClr val="bg1"/>
+                </a:solidFill>
+                <a:latin typeface="나눔스퀘어_ac ExtraBold" panose="020B0600000101010101" pitchFamily="50" charset="-127"/>
+                <a:ea typeface="나눔스퀘어_ac ExtraBold" panose="020B0600000101010101" pitchFamily="50" charset="-127"/>
+              </a:rPr>
+              <a:t>Since 20. 08</a:t>
+            </a:r>
+            <a:endParaRPr lang="en-US" altLang="ko-KR" sz="1200" b="0" i="0">
+              <a:solidFill>
+                <a:schemeClr val="bg1"/>
+              </a:solidFill>
+              <a:effectLst/>
+              <a:latin typeface="나눔스퀘어_ac ExtraBold" panose="020B0600000101010101" pitchFamily="50" charset="-127"/>
+              <a:ea typeface="나눔스퀘어_ac ExtraBold" panose="020B0600000101010101" pitchFamily="50" charset="-127"/>
+            </a:endParaRPr>
+          </a:p>
+        </p:txBody>
+      </p:sp>
+      <p:sp>
+        <p:nvSpPr>
+          <p:cNvPr id="9" name="TextBox 8">
+            <a:extLst>
+              <a:ext uri="{FF2B5EF4-FFF2-40B4-BE49-F238E27FC236}">
+                <a16:creationId xmlns:a16="http://schemas.microsoft.com/office/drawing/2014/main" id="{60EA68F8-26E7-44DF-9140-39BF66E8A018}"/>
+              </a:ext>
+            </a:extLst>
+          </p:cNvPr>
+          <p:cNvSpPr txBox="1"/>
+          <p:nvPr/>
+        </p:nvSpPr>
+        <p:spPr>
+          <a:xfrm>
+            <a:off x="3838922" y="3087573"/>
+            <a:ext cx="4514155" cy="523220"/>
+          </a:xfrm>
+          <a:prstGeom prst="rect">
+            <a:avLst/>
+          </a:prstGeom>
+          <a:noFill/>
+        </p:spPr>
+        <p:txBody>
+          <a:bodyPr wrap="square" rtlCol="0">
+            <a:spAutoFit/>
+          </a:bodyPr>
+          <a:lstStyle/>
+          <a:p>
+            <a:pPr algn="ctr"/>
+            <a:r>
+              <a:rPr lang="en-US" altLang="ko-KR" sz="2800" b="1">
+                <a:solidFill>
+                  <a:schemeClr val="bg1"/>
+                </a:solidFill>
+              </a:rPr>
+              <a:t>150+Stars </a:t>
+            </a:r>
+            <a:r>
+              <a:rPr lang="ko-KR" altLang="en-US" sz="2800" b="1">
+                <a:solidFill>
+                  <a:schemeClr val="bg1"/>
+                </a:solidFill>
+              </a:rPr>
+              <a:t>달성</a:t>
+            </a:r>
+          </a:p>
+        </p:txBody>
+      </p:sp>
+    </p:spTree>
+    <p:extLst>
+      <p:ext uri="{BB962C8B-B14F-4D97-AF65-F5344CB8AC3E}">
+        <p14:creationId xmlns:p14="http://schemas.microsoft.com/office/powerpoint/2010/main" val="2061801440"/>
+      </p:ext>
+    </p:extLst>
+  </p:cSld>
+  <p:clrMapOvr>
+    <a:masterClrMapping/>
+  </p:clrMapOvr>
+</p:sld>
+</file>
+
 <file path=ppt/theme/theme1.xml><?xml version="1.0" encoding="utf-8"?>
 <a:theme xmlns:a="http://schemas.openxmlformats.org/drawingml/2006/main" name="Office 테마">
   <a:themeElements>

--- a/img/img.pptx
+++ b/img/img.pptx
@@ -3609,8 +3609,8 @@
         </p:nvSpPr>
         <p:spPr>
           <a:xfrm>
-            <a:off x="3649224" y="1975367"/>
-            <a:ext cx="5198352" cy="1107996"/>
+            <a:off x="3292628" y="1900722"/>
+            <a:ext cx="5606743" cy="1323439"/>
           </a:xfrm>
           <a:prstGeom prst="rect">
             <a:avLst/>
@@ -3624,7 +3624,7 @@
           <a:lstStyle/>
           <a:p>
             <a:r>
-              <a:rPr lang="en-US" altLang="ko-KR" sz="6600">
+              <a:rPr lang="en-US" altLang="ko-KR" sz="8000" spc="-300">
                 <a:gradFill flip="none" rotWithShape="1">
                   <a:gsLst>
                     <a:gs pos="0">
@@ -3642,7 +3642,7 @@
               </a:rPr>
               <a:t>DEV EVENT</a:t>
             </a:r>
-            <a:endParaRPr lang="ko-KR" altLang="en-US" sz="6600">
+            <a:endParaRPr lang="ko-KR" altLang="en-US" sz="8000" spc="-300">
               <a:gradFill flip="none" rotWithShape="1">
                 <a:gsLst>
                   <a:gs pos="0">
@@ -3675,8 +3675,8 @@
         </p:nvSpPr>
         <p:spPr>
           <a:xfrm>
-            <a:off x="2087418" y="1698170"/>
-            <a:ext cx="8321964" cy="2500605"/>
+            <a:off x="2087418" y="1698171"/>
+            <a:ext cx="8321964" cy="2444622"/>
           </a:xfrm>
           <a:prstGeom prst="rect">
             <a:avLst/>
@@ -3727,7 +3727,7 @@
         </p:nvSpPr>
         <p:spPr>
           <a:xfrm>
-            <a:off x="3745346" y="3830672"/>
+            <a:off x="3745346" y="3719293"/>
             <a:ext cx="4701308" cy="307777"/>
           </a:xfrm>
           <a:prstGeom prst="rect">
@@ -3820,7 +3820,7 @@
         </p:nvSpPr>
         <p:spPr>
           <a:xfrm>
-            <a:off x="6591725" y="2822530"/>
+            <a:off x="6875635" y="2876425"/>
             <a:ext cx="1826936" cy="276999"/>
           </a:xfrm>
           <a:prstGeom prst="rect">
@@ -3901,6 +3901,63 @@
               </a:rPr>
               <a:t>달성</a:t>
             </a:r>
+          </a:p>
+        </p:txBody>
+      </p:sp>
+      <p:sp>
+        <p:nvSpPr>
+          <p:cNvPr id="7" name="사각형: 둥근 모서리 6">
+            <a:extLst>
+              <a:ext uri="{FF2B5EF4-FFF2-40B4-BE49-F238E27FC236}">
+                <a16:creationId xmlns:a16="http://schemas.microsoft.com/office/drawing/2014/main" id="{601EFCE4-50D8-4758-8632-66F66E213807}"/>
+              </a:ext>
+            </a:extLst>
+          </p:cNvPr>
+          <p:cNvSpPr/>
+          <p:nvPr/>
+        </p:nvSpPr>
+        <p:spPr>
+          <a:xfrm>
+            <a:off x="9567697" y="3526889"/>
+            <a:ext cx="630461" cy="500181"/>
+          </a:xfrm>
+          <a:prstGeom prst="roundRect">
+            <a:avLst>
+              <a:gd name="adj" fmla="val 5301"/>
+            </a:avLst>
+          </a:prstGeom>
+          <a:blipFill>
+            <a:blip r:embed="rId2"/>
+            <a:stretch>
+              <a:fillRect/>
+            </a:stretch>
+          </a:blipFill>
+          <a:ln>
+            <a:noFill/>
+          </a:ln>
+        </p:spPr>
+        <p:style>
+          <a:lnRef idx="2">
+            <a:schemeClr val="accent1">
+              <a:shade val="50000"/>
+            </a:schemeClr>
+          </a:lnRef>
+          <a:fillRef idx="1">
+            <a:schemeClr val="accent1"/>
+          </a:fillRef>
+          <a:effectRef idx="0">
+            <a:schemeClr val="accent1"/>
+          </a:effectRef>
+          <a:fontRef idx="minor">
+            <a:schemeClr val="lt1"/>
+          </a:fontRef>
+        </p:style>
+        <p:txBody>
+          <a:bodyPr rtlCol="0" anchor="ctr"/>
+          <a:lstStyle/>
+          <a:p>
+            <a:pPr algn="ctr"/>
+            <a:endParaRPr lang="ko-KR" altLang="en-US"/>
           </a:p>
         </p:txBody>
       </p:sp>

--- a/img/img.pptx
+++ b/img/img.pptx
@@ -3609,7 +3609,7 @@
         </p:nvSpPr>
         <p:spPr>
           <a:xfrm>
-            <a:off x="3292628" y="1900722"/>
+            <a:off x="3485668" y="1900722"/>
             <a:ext cx="5606743" cy="1323439"/>
           </a:xfrm>
           <a:prstGeom prst="rect">
@@ -3727,7 +3727,7 @@
         </p:nvSpPr>
         <p:spPr>
           <a:xfrm>
-            <a:off x="3745346" y="3719293"/>
+            <a:off x="3938386" y="3719293"/>
             <a:ext cx="4701308" cy="307777"/>
           </a:xfrm>
           <a:prstGeom prst="rect">
@@ -3820,7 +3820,7 @@
         </p:nvSpPr>
         <p:spPr>
           <a:xfrm>
-            <a:off x="6875635" y="2876425"/>
+            <a:off x="7068675" y="2876425"/>
             <a:ext cx="1826936" cy="276999"/>
           </a:xfrm>
           <a:prstGeom prst="rect">
@@ -3870,7 +3870,7 @@
         </p:nvSpPr>
         <p:spPr>
           <a:xfrm>
-            <a:off x="3838922" y="3087573"/>
+            <a:off x="4031962" y="3087573"/>
             <a:ext cx="4514155" cy="523220"/>
           </a:xfrm>
           <a:prstGeom prst="rect">

--- a/img/img.pptx
+++ b/img/img.pptx
@@ -7,6 +7,7 @@
   <p:sldIdLst>
     <p:sldId id="256" r:id="rId2"/>
     <p:sldId id="257" r:id="rId3"/>
+    <p:sldId id="258" r:id="rId4"/>
   </p:sldIdLst>
   <p:sldSz cx="12192000" cy="6858000"/>
   <p:notesSz cx="6858000" cy="9144000"/>
@@ -260,7 +261,7 @@
           <a:p>
             <a:fld id="{B24269AA-6B5D-4D5A-B50E-E1467D37A8CC}" type="datetimeFigureOut">
               <a:rPr lang="ko-KR" altLang="en-US" smtClean="0"/>
-              <a:t>2020-11-21</a:t>
+              <a:t>2020-11-29</a:t>
             </a:fld>
             <a:endParaRPr lang="ko-KR" altLang="en-US"/>
           </a:p>
@@ -458,7 +459,7 @@
           <a:p>
             <a:fld id="{B24269AA-6B5D-4D5A-B50E-E1467D37A8CC}" type="datetimeFigureOut">
               <a:rPr lang="ko-KR" altLang="en-US" smtClean="0"/>
-              <a:t>2020-11-21</a:t>
+              <a:t>2020-11-29</a:t>
             </a:fld>
             <a:endParaRPr lang="ko-KR" altLang="en-US"/>
           </a:p>
@@ -666,7 +667,7 @@
           <a:p>
             <a:fld id="{B24269AA-6B5D-4D5A-B50E-E1467D37A8CC}" type="datetimeFigureOut">
               <a:rPr lang="ko-KR" altLang="en-US" smtClean="0"/>
-              <a:t>2020-11-21</a:t>
+              <a:t>2020-11-29</a:t>
             </a:fld>
             <a:endParaRPr lang="ko-KR" altLang="en-US"/>
           </a:p>
@@ -864,7 +865,7 @@
           <a:p>
             <a:fld id="{B24269AA-6B5D-4D5A-B50E-E1467D37A8CC}" type="datetimeFigureOut">
               <a:rPr lang="ko-KR" altLang="en-US" smtClean="0"/>
-              <a:t>2020-11-21</a:t>
+              <a:t>2020-11-29</a:t>
             </a:fld>
             <a:endParaRPr lang="ko-KR" altLang="en-US"/>
           </a:p>
@@ -1139,7 +1140,7 @@
           <a:p>
             <a:fld id="{B24269AA-6B5D-4D5A-B50E-E1467D37A8CC}" type="datetimeFigureOut">
               <a:rPr lang="ko-KR" altLang="en-US" smtClean="0"/>
-              <a:t>2020-11-21</a:t>
+              <a:t>2020-11-29</a:t>
             </a:fld>
             <a:endParaRPr lang="ko-KR" altLang="en-US"/>
           </a:p>
@@ -1404,7 +1405,7 @@
           <a:p>
             <a:fld id="{B24269AA-6B5D-4D5A-B50E-E1467D37A8CC}" type="datetimeFigureOut">
               <a:rPr lang="ko-KR" altLang="en-US" smtClean="0"/>
-              <a:t>2020-11-21</a:t>
+              <a:t>2020-11-29</a:t>
             </a:fld>
             <a:endParaRPr lang="ko-KR" altLang="en-US"/>
           </a:p>
@@ -1816,7 +1817,7 @@
           <a:p>
             <a:fld id="{B24269AA-6B5D-4D5A-B50E-E1467D37A8CC}" type="datetimeFigureOut">
               <a:rPr lang="ko-KR" altLang="en-US" smtClean="0"/>
-              <a:t>2020-11-21</a:t>
+              <a:t>2020-11-29</a:t>
             </a:fld>
             <a:endParaRPr lang="ko-KR" altLang="en-US"/>
           </a:p>
@@ -1957,7 +1958,7 @@
           <a:p>
             <a:fld id="{B24269AA-6B5D-4D5A-B50E-E1467D37A8CC}" type="datetimeFigureOut">
               <a:rPr lang="ko-KR" altLang="en-US" smtClean="0"/>
-              <a:t>2020-11-21</a:t>
+              <a:t>2020-11-29</a:t>
             </a:fld>
             <a:endParaRPr lang="ko-KR" altLang="en-US"/>
           </a:p>
@@ -2070,7 +2071,7 @@
           <a:p>
             <a:fld id="{B24269AA-6B5D-4D5A-B50E-E1467D37A8CC}" type="datetimeFigureOut">
               <a:rPr lang="ko-KR" altLang="en-US" smtClean="0"/>
-              <a:t>2020-11-21</a:t>
+              <a:t>2020-11-29</a:t>
             </a:fld>
             <a:endParaRPr lang="ko-KR" altLang="en-US"/>
           </a:p>
@@ -2381,7 +2382,7 @@
           <a:p>
             <a:fld id="{B24269AA-6B5D-4D5A-B50E-E1467D37A8CC}" type="datetimeFigureOut">
               <a:rPr lang="ko-KR" altLang="en-US" smtClean="0"/>
-              <a:t>2020-11-21</a:t>
+              <a:t>2020-11-29</a:t>
             </a:fld>
             <a:endParaRPr lang="ko-KR" altLang="en-US"/>
           </a:p>
@@ -2669,7 +2670,7 @@
           <a:p>
             <a:fld id="{B24269AA-6B5D-4D5A-B50E-E1467D37A8CC}" type="datetimeFigureOut">
               <a:rPr lang="ko-KR" altLang="en-US" smtClean="0"/>
-              <a:t>2020-11-21</a:t>
+              <a:t>2020-11-29</a:t>
             </a:fld>
             <a:endParaRPr lang="ko-KR" altLang="en-US"/>
           </a:p>
@@ -2910,7 +2911,7 @@
           <a:p>
             <a:fld id="{B24269AA-6B5D-4D5A-B50E-E1467D37A8CC}" type="datetimeFigureOut">
               <a:rPr lang="ko-KR" altLang="en-US" smtClean="0"/>
-              <a:t>2020-11-21</a:t>
+              <a:t>2020-11-29</a:t>
             </a:fld>
             <a:endParaRPr lang="ko-KR" altLang="en-US"/>
           </a:p>
@@ -3974,6 +3975,722 @@
 </p:sld>
 </file>
 
+<file path=ppt/slides/slide3.xml><?xml version="1.0" encoding="utf-8"?>
+<p:sld xmlns:a="http://schemas.openxmlformats.org/drawingml/2006/main" xmlns:r="http://schemas.openxmlformats.org/officeDocument/2006/relationships" xmlns:p="http://schemas.openxmlformats.org/presentationml/2006/main">
+  <p:cSld>
+    <p:bg>
+      <p:bgPr>
+        <a:solidFill>
+          <a:srgbClr val="14649E"/>
+        </a:solidFill>
+        <a:effectLst/>
+      </p:bgPr>
+    </p:bg>
+    <p:spTree>
+      <p:nvGrpSpPr>
+        <p:cNvPr id="1" name=""/>
+        <p:cNvGrpSpPr/>
+        <p:nvPr/>
+      </p:nvGrpSpPr>
+      <p:grpSpPr>
+        <a:xfrm>
+          <a:off x="0" y="0"/>
+          <a:ext cx="0" cy="0"/>
+          <a:chOff x="0" y="0"/>
+          <a:chExt cx="0" cy="0"/>
+        </a:xfrm>
+      </p:grpSpPr>
+      <p:sp>
+        <p:nvSpPr>
+          <p:cNvPr id="16" name="직사각형 15">
+            <a:extLst>
+              <a:ext uri="{FF2B5EF4-FFF2-40B4-BE49-F238E27FC236}">
+                <a16:creationId xmlns:a16="http://schemas.microsoft.com/office/drawing/2014/main" id="{B23F7135-1290-4E0F-83AE-0FB7042F9601}"/>
+              </a:ext>
+            </a:extLst>
+          </p:cNvPr>
+          <p:cNvSpPr/>
+          <p:nvPr/>
+        </p:nvSpPr>
+        <p:spPr>
+          <a:xfrm>
+            <a:off x="74881" y="3912021"/>
+            <a:ext cx="2071261" cy="2945979"/>
+          </a:xfrm>
+          <a:prstGeom prst="rect">
+            <a:avLst/>
+          </a:prstGeom>
+          <a:solidFill>
+            <a:srgbClr val="1466A2"/>
+          </a:solidFill>
+          <a:ln>
+            <a:noFill/>
+          </a:ln>
+        </p:spPr>
+        <p:style>
+          <a:lnRef idx="2">
+            <a:schemeClr val="accent1">
+              <a:shade val="50000"/>
+            </a:schemeClr>
+          </a:lnRef>
+          <a:fillRef idx="1">
+            <a:schemeClr val="accent1"/>
+          </a:fillRef>
+          <a:effectRef idx="0">
+            <a:schemeClr val="accent1"/>
+          </a:effectRef>
+          <a:fontRef idx="minor">
+            <a:schemeClr val="lt1"/>
+          </a:fontRef>
+        </p:style>
+        <p:txBody>
+          <a:bodyPr rtlCol="0" anchor="ctr"/>
+          <a:lstStyle/>
+          <a:p>
+            <a:pPr algn="ctr"/>
+            <a:endParaRPr lang="ko-KR" altLang="en-US"/>
+          </a:p>
+        </p:txBody>
+      </p:sp>
+      <p:sp>
+        <p:nvSpPr>
+          <p:cNvPr id="15" name="직사각형 14">
+            <a:extLst>
+              <a:ext uri="{FF2B5EF4-FFF2-40B4-BE49-F238E27FC236}">
+                <a16:creationId xmlns:a16="http://schemas.microsoft.com/office/drawing/2014/main" id="{13CA0B78-D2EB-4A9D-B952-7068ADAC7377}"/>
+              </a:ext>
+            </a:extLst>
+          </p:cNvPr>
+          <p:cNvSpPr/>
+          <p:nvPr/>
+        </p:nvSpPr>
+        <p:spPr>
+          <a:xfrm>
+            <a:off x="10120739" y="13340"/>
+            <a:ext cx="2071261" cy="6858000"/>
+          </a:xfrm>
+          <a:prstGeom prst="rect">
+            <a:avLst/>
+          </a:prstGeom>
+          <a:solidFill>
+            <a:srgbClr val="1466A2"/>
+          </a:solidFill>
+          <a:ln>
+            <a:noFill/>
+          </a:ln>
+        </p:spPr>
+        <p:style>
+          <a:lnRef idx="2">
+            <a:schemeClr val="accent1">
+              <a:shade val="50000"/>
+            </a:schemeClr>
+          </a:lnRef>
+          <a:fillRef idx="1">
+            <a:schemeClr val="accent1"/>
+          </a:fillRef>
+          <a:effectRef idx="0">
+            <a:schemeClr val="accent1"/>
+          </a:effectRef>
+          <a:fontRef idx="minor">
+            <a:schemeClr val="lt1"/>
+          </a:fontRef>
+        </p:style>
+        <p:txBody>
+          <a:bodyPr rtlCol="0" anchor="ctr"/>
+          <a:lstStyle/>
+          <a:p>
+            <a:pPr algn="ctr"/>
+            <a:endParaRPr lang="ko-KR" altLang="en-US"/>
+          </a:p>
+        </p:txBody>
+      </p:sp>
+      <p:pic>
+        <p:nvPicPr>
+          <p:cNvPr id="4" name="그림 3">
+            <a:extLst>
+              <a:ext uri="{FF2B5EF4-FFF2-40B4-BE49-F238E27FC236}">
+                <a16:creationId xmlns:a16="http://schemas.microsoft.com/office/drawing/2014/main" id="{57FB4BEA-16E6-4BC0-915F-84AB3A329183}"/>
+              </a:ext>
+            </a:extLst>
+          </p:cNvPr>
+          <p:cNvPicPr>
+            <a:picLocks noChangeAspect="1"/>
+          </p:cNvPicPr>
+          <p:nvPr/>
+        </p:nvPicPr>
+        <p:blipFill>
+          <a:blip r:embed="rId2">
+            <a:extLst>
+              <a:ext uri="{28A0092B-C50C-407E-A947-70E740481C1C}">
+                <a14:useLocalDpi xmlns:a14="http://schemas.microsoft.com/office/drawing/2010/main" val="0"/>
+              </a:ext>
+            </a:extLst>
+          </a:blip>
+          <a:stretch>
+            <a:fillRect/>
+          </a:stretch>
+        </p:blipFill>
+        <p:spPr>
+          <a:xfrm>
+            <a:off x="1521339" y="0"/>
+            <a:ext cx="9052560" cy="6858000"/>
+          </a:xfrm>
+          <a:prstGeom prst="rect">
+            <a:avLst/>
+          </a:prstGeom>
+        </p:spPr>
+      </p:pic>
+      <p:sp>
+        <p:nvSpPr>
+          <p:cNvPr id="5" name="TextBox 4">
+            <a:extLst>
+              <a:ext uri="{FF2B5EF4-FFF2-40B4-BE49-F238E27FC236}">
+                <a16:creationId xmlns:a16="http://schemas.microsoft.com/office/drawing/2014/main" id="{12CC42B9-82F8-4D02-BBEA-BDE0070358E4}"/>
+              </a:ext>
+            </a:extLst>
+          </p:cNvPr>
+          <p:cNvSpPr txBox="1"/>
+          <p:nvPr/>
+        </p:nvSpPr>
+        <p:spPr>
+          <a:xfrm rot="1200000">
+            <a:off x="3816214" y="1201261"/>
+            <a:ext cx="1446709" cy="830997"/>
+          </a:xfrm>
+          <a:prstGeom prst="rect">
+            <a:avLst/>
+          </a:prstGeom>
+          <a:noFill/>
+        </p:spPr>
+        <p:txBody>
+          <a:bodyPr wrap="square" rtlCol="0">
+            <a:spAutoFit/>
+          </a:bodyPr>
+          <a:lstStyle/>
+          <a:p>
+            <a:r>
+              <a:rPr lang="ko-KR" altLang="en-US" sz="2400">
+                <a:solidFill>
+                  <a:srgbClr val="E7E6EB"/>
+                </a:solidFill>
+                <a:latin typeface="여기어때 잘난체 OTF" panose="020B0600000101010101" pitchFamily="34" charset="-127"/>
+                <a:ea typeface="여기어때 잘난체 OTF" panose="020B0600000101010101" pitchFamily="34" charset="-127"/>
+              </a:rPr>
+              <a:t>용감한</a:t>
+            </a:r>
+            <a:endParaRPr lang="en-US" altLang="ko-KR" sz="2400">
+              <a:solidFill>
+                <a:srgbClr val="E7E6EB"/>
+              </a:solidFill>
+              <a:latin typeface="여기어때 잘난체 OTF" panose="020B0600000101010101" pitchFamily="34" charset="-127"/>
+              <a:ea typeface="여기어때 잘난체 OTF" panose="020B0600000101010101" pitchFamily="34" charset="-127"/>
+            </a:endParaRPr>
+          </a:p>
+          <a:p>
+            <a:r>
+              <a:rPr lang="ko-KR" altLang="en-US" sz="2400">
+                <a:solidFill>
+                  <a:srgbClr val="E7E6EB"/>
+                </a:solidFill>
+                <a:latin typeface="여기어때 잘난체 OTF" panose="020B0600000101010101" pitchFamily="34" charset="-127"/>
+                <a:ea typeface="여기어때 잘난체 OTF" panose="020B0600000101010101" pitchFamily="34" charset="-127"/>
+              </a:rPr>
+              <a:t>친구들</a:t>
+            </a:r>
+          </a:p>
+        </p:txBody>
+      </p:sp>
+      <p:sp>
+        <p:nvSpPr>
+          <p:cNvPr id="6" name="TextBox 5">
+            <a:extLst>
+              <a:ext uri="{FF2B5EF4-FFF2-40B4-BE49-F238E27FC236}">
+                <a16:creationId xmlns:a16="http://schemas.microsoft.com/office/drawing/2014/main" id="{92FF8A34-D9B2-4DA1-9D9F-FFE6932F9CE4}"/>
+              </a:ext>
+            </a:extLst>
+          </p:cNvPr>
+          <p:cNvSpPr txBox="1"/>
+          <p:nvPr/>
+        </p:nvSpPr>
+        <p:spPr>
+          <a:xfrm rot="1200000">
+            <a:off x="6254110" y="2737261"/>
+            <a:ext cx="1446709" cy="830997"/>
+          </a:xfrm>
+          <a:prstGeom prst="rect">
+            <a:avLst/>
+          </a:prstGeom>
+          <a:noFill/>
+        </p:spPr>
+        <p:txBody>
+          <a:bodyPr wrap="square" rtlCol="0">
+            <a:spAutoFit/>
+          </a:bodyPr>
+          <a:lstStyle/>
+          <a:p>
+            <a:r>
+              <a:rPr lang="ko-KR" altLang="en-US" sz="2400">
+                <a:solidFill>
+                  <a:srgbClr val="E7E6EB"/>
+                </a:solidFill>
+                <a:latin typeface="여기어때 잘난체 OTF" panose="020B0600000101010101" pitchFamily="34" charset="-127"/>
+                <a:ea typeface="여기어때 잘난체 OTF" panose="020B0600000101010101" pitchFamily="34" charset="-127"/>
+              </a:rPr>
+              <a:t>남송리</a:t>
+            </a:r>
+            <a:endParaRPr lang="en-US" altLang="ko-KR" sz="2400">
+              <a:solidFill>
+                <a:srgbClr val="E7E6EB"/>
+              </a:solidFill>
+              <a:latin typeface="여기어때 잘난체 OTF" panose="020B0600000101010101" pitchFamily="34" charset="-127"/>
+              <a:ea typeface="여기어때 잘난체 OTF" panose="020B0600000101010101" pitchFamily="34" charset="-127"/>
+            </a:endParaRPr>
+          </a:p>
+          <a:p>
+            <a:r>
+              <a:rPr lang="ko-KR" altLang="en-US" sz="2400">
+                <a:solidFill>
+                  <a:srgbClr val="E7E6EB"/>
+                </a:solidFill>
+                <a:latin typeface="여기어때 잘난체 OTF" panose="020B0600000101010101" pitchFamily="34" charset="-127"/>
+                <a:ea typeface="여기어때 잘난체 OTF" panose="020B0600000101010101" pitchFamily="34" charset="-127"/>
+              </a:rPr>
+              <a:t>삼번지</a:t>
+            </a:r>
+          </a:p>
+        </p:txBody>
+      </p:sp>
+      <p:sp>
+        <p:nvSpPr>
+          <p:cNvPr id="7" name="TextBox 6">
+            <a:extLst>
+              <a:ext uri="{FF2B5EF4-FFF2-40B4-BE49-F238E27FC236}">
+                <a16:creationId xmlns:a16="http://schemas.microsoft.com/office/drawing/2014/main" id="{5C7CAF3B-1931-4685-835A-6D6CF662955E}"/>
+              </a:ext>
+            </a:extLst>
+          </p:cNvPr>
+          <p:cNvSpPr txBox="1"/>
+          <p:nvPr/>
+        </p:nvSpPr>
+        <p:spPr>
+          <a:xfrm rot="1200000">
+            <a:off x="2988454" y="3522383"/>
+            <a:ext cx="1877385" cy="646331"/>
+          </a:xfrm>
+          <a:prstGeom prst="rect">
+            <a:avLst/>
+          </a:prstGeom>
+          <a:noFill/>
+        </p:spPr>
+        <p:txBody>
+          <a:bodyPr wrap="square" rtlCol="0">
+            <a:spAutoFit/>
+          </a:bodyPr>
+          <a:lstStyle/>
+          <a:p>
+            <a:r>
+              <a:rPr lang="en-US" altLang="ko-KR">
+                <a:solidFill>
+                  <a:srgbClr val="E7E6EB"/>
+                </a:solidFill>
+                <a:latin typeface="나눔바른고딕" panose="020B0603020101020101" pitchFamily="50" charset="-127"/>
+                <a:ea typeface="나눔바른고딕" panose="020B0603020101020101" pitchFamily="50" charset="-127"/>
+              </a:rPr>
+              <a:t>Backend</a:t>
+            </a:r>
+          </a:p>
+          <a:p>
+            <a:r>
+              <a:rPr lang="en-US" altLang="ko-KR">
+                <a:solidFill>
+                  <a:srgbClr val="E7E6EB"/>
+                </a:solidFill>
+                <a:latin typeface="나눔바른고딕" panose="020B0603020101020101" pitchFamily="50" charset="-127"/>
+                <a:ea typeface="나눔바른고딕" panose="020B0603020101020101" pitchFamily="50" charset="-127"/>
+              </a:rPr>
+              <a:t>Brave Develper</a:t>
+            </a:r>
+            <a:endParaRPr lang="ko-KR" altLang="en-US">
+              <a:solidFill>
+                <a:srgbClr val="E7E6EB"/>
+              </a:solidFill>
+              <a:latin typeface="나눔바른고딕" panose="020B0603020101020101" pitchFamily="50" charset="-127"/>
+              <a:ea typeface="나눔바른고딕" panose="020B0603020101020101" pitchFamily="50" charset="-127"/>
+            </a:endParaRPr>
+          </a:p>
+        </p:txBody>
+      </p:sp>
+      <p:sp>
+        <p:nvSpPr>
+          <p:cNvPr id="8" name="TextBox 7">
+            <a:extLst>
+              <a:ext uri="{FF2B5EF4-FFF2-40B4-BE49-F238E27FC236}">
+                <a16:creationId xmlns:a16="http://schemas.microsoft.com/office/drawing/2014/main" id="{3FB101D7-6F96-4F35-90F3-3DCB876026A5}"/>
+              </a:ext>
+            </a:extLst>
+          </p:cNvPr>
+          <p:cNvSpPr txBox="1"/>
+          <p:nvPr/>
+        </p:nvSpPr>
+        <p:spPr>
+          <a:xfrm rot="1200000">
+            <a:off x="3172278" y="3143225"/>
+            <a:ext cx="1877385" cy="461665"/>
+          </a:xfrm>
+          <a:prstGeom prst="rect">
+            <a:avLst/>
+          </a:prstGeom>
+          <a:noFill/>
+        </p:spPr>
+        <p:txBody>
+          <a:bodyPr wrap="square" rtlCol="0">
+            <a:spAutoFit/>
+          </a:bodyPr>
+          <a:lstStyle/>
+          <a:p>
+            <a:r>
+              <a:rPr lang="ko-KR" altLang="en-US" sz="2400">
+                <a:solidFill>
+                  <a:srgbClr val="E7E6EB"/>
+                </a:solidFill>
+                <a:latin typeface="나눔스퀘어_ac ExtraBold" panose="020B0600000101010101" pitchFamily="50" charset="-127"/>
+                <a:ea typeface="나눔스퀘어_ac ExtraBold" panose="020B0600000101010101" pitchFamily="50" charset="-127"/>
+              </a:rPr>
+              <a:t>김서버</a:t>
+            </a:r>
+          </a:p>
+        </p:txBody>
+      </p:sp>
+      <p:sp>
+        <p:nvSpPr>
+          <p:cNvPr id="9" name="TextBox 8">
+            <a:extLst>
+              <a:ext uri="{FF2B5EF4-FFF2-40B4-BE49-F238E27FC236}">
+                <a16:creationId xmlns:a16="http://schemas.microsoft.com/office/drawing/2014/main" id="{3370335D-A71A-4593-863E-8757322B1F06}"/>
+              </a:ext>
+            </a:extLst>
+          </p:cNvPr>
+          <p:cNvSpPr txBox="1"/>
+          <p:nvPr/>
+        </p:nvSpPr>
+        <p:spPr>
+          <a:xfrm rot="1200000">
+            <a:off x="3921360" y="3313178"/>
+            <a:ext cx="376201" cy="461665"/>
+          </a:xfrm>
+          <a:prstGeom prst="rect">
+            <a:avLst/>
+          </a:prstGeom>
+          <a:noFill/>
+        </p:spPr>
+        <p:txBody>
+          <a:bodyPr wrap="square" rtlCol="0">
+            <a:spAutoFit/>
+          </a:bodyPr>
+          <a:lstStyle/>
+          <a:p>
+            <a:r>
+              <a:rPr lang="en-US" altLang="ko-KR" sz="2400">
+                <a:solidFill>
+                  <a:srgbClr val="E7E6EB"/>
+                </a:solidFill>
+                <a:latin typeface="나눔스퀘어_ac ExtraBold" panose="020B0600000101010101" pitchFamily="50" charset="-127"/>
+                <a:ea typeface="나눔스퀘어_ac ExtraBold" panose="020B0600000101010101" pitchFamily="50" charset="-127"/>
+              </a:rPr>
+              <a:t>*</a:t>
+            </a:r>
+            <a:endParaRPr lang="ko-KR" altLang="en-US" sz="2400">
+              <a:solidFill>
+                <a:srgbClr val="E7E6EB"/>
+              </a:solidFill>
+              <a:latin typeface="나눔스퀘어_ac ExtraBold" panose="020B0600000101010101" pitchFamily="50" charset="-127"/>
+              <a:ea typeface="나눔스퀘어_ac ExtraBold" panose="020B0600000101010101" pitchFamily="50" charset="-127"/>
+            </a:endParaRPr>
+          </a:p>
+        </p:txBody>
+      </p:sp>
+      <p:sp>
+        <p:nvSpPr>
+          <p:cNvPr id="10" name="TextBox 9">
+            <a:extLst>
+              <a:ext uri="{FF2B5EF4-FFF2-40B4-BE49-F238E27FC236}">
+                <a16:creationId xmlns:a16="http://schemas.microsoft.com/office/drawing/2014/main" id="{C4C87AD7-978C-49F8-BFDC-2A0DEA1BBECF}"/>
+              </a:ext>
+            </a:extLst>
+          </p:cNvPr>
+          <p:cNvSpPr txBox="1"/>
+          <p:nvPr/>
+        </p:nvSpPr>
+        <p:spPr>
+          <a:xfrm rot="1200000">
+            <a:off x="2820585" y="4133809"/>
+            <a:ext cx="2381606" cy="369332"/>
+          </a:xfrm>
+          <a:prstGeom prst="rect">
+            <a:avLst/>
+          </a:prstGeom>
+          <a:noFill/>
+        </p:spPr>
+        <p:txBody>
+          <a:bodyPr wrap="square" rtlCol="0">
+            <a:spAutoFit/>
+          </a:bodyPr>
+          <a:lstStyle/>
+          <a:p>
+            <a:r>
+              <a:rPr lang="en-US" altLang="ko-KR" sz="900">
+                <a:solidFill>
+                  <a:srgbClr val="94B5D6"/>
+                </a:solidFill>
+                <a:latin typeface="나눔바른고딕" panose="020B0603020101020101" pitchFamily="50" charset="-127"/>
+                <a:ea typeface="나눔바른고딕" panose="020B0603020101020101" pitchFamily="50" charset="-127"/>
+              </a:rPr>
+              <a:t>Namsong-ri 3(HGU) Pohang</a:t>
+            </a:r>
+          </a:p>
+          <a:p>
+            <a:r>
+              <a:rPr lang="en-US" altLang="ko-KR" sz="900">
+                <a:solidFill>
+                  <a:srgbClr val="94B5D6"/>
+                </a:solidFill>
+                <a:latin typeface="나눔바른고딕" panose="020B0603020101020101" pitchFamily="50" charset="-127"/>
+                <a:ea typeface="나눔바른고딕" panose="020B0603020101020101" pitchFamily="50" charset="-127"/>
+              </a:rPr>
+              <a:t>github.com/brave-people</a:t>
+            </a:r>
+            <a:endParaRPr lang="ko-KR" altLang="en-US" sz="900">
+              <a:solidFill>
+                <a:srgbClr val="94B5D6"/>
+              </a:solidFill>
+              <a:latin typeface="나눔바른고딕" panose="020B0603020101020101" pitchFamily="50" charset="-127"/>
+              <a:ea typeface="나눔바른고딕" panose="020B0603020101020101" pitchFamily="50" charset="-127"/>
+            </a:endParaRPr>
+          </a:p>
+        </p:txBody>
+      </p:sp>
+      <p:sp>
+        <p:nvSpPr>
+          <p:cNvPr id="11" name="TextBox 10">
+            <a:extLst>
+              <a:ext uri="{FF2B5EF4-FFF2-40B4-BE49-F238E27FC236}">
+                <a16:creationId xmlns:a16="http://schemas.microsoft.com/office/drawing/2014/main" id="{1A901346-4D00-45A6-9175-18C62710CD08}"/>
+              </a:ext>
+            </a:extLst>
+          </p:cNvPr>
+          <p:cNvSpPr txBox="1"/>
+          <p:nvPr/>
+        </p:nvSpPr>
+        <p:spPr>
+          <a:xfrm rot="1200000">
+            <a:off x="5411828" y="5063508"/>
+            <a:ext cx="1877385" cy="646331"/>
+          </a:xfrm>
+          <a:prstGeom prst="rect">
+            <a:avLst/>
+          </a:prstGeom>
+          <a:noFill/>
+        </p:spPr>
+        <p:txBody>
+          <a:bodyPr wrap="square" rtlCol="0">
+            <a:spAutoFit/>
+          </a:bodyPr>
+          <a:lstStyle/>
+          <a:p>
+            <a:r>
+              <a:rPr lang="en-US" altLang="ko-KR">
+                <a:solidFill>
+                  <a:srgbClr val="E7E6EB"/>
+                </a:solidFill>
+                <a:latin typeface="나눔바른고딕" panose="020B0603020101020101" pitchFamily="50" charset="-127"/>
+                <a:ea typeface="나눔바른고딕" panose="020B0603020101020101" pitchFamily="50" charset="-127"/>
+              </a:rPr>
+              <a:t>Frontend</a:t>
+            </a:r>
+          </a:p>
+          <a:p>
+            <a:r>
+              <a:rPr lang="en-US" altLang="ko-KR">
+                <a:solidFill>
+                  <a:srgbClr val="E7E6EB"/>
+                </a:solidFill>
+                <a:latin typeface="나눔바른고딕" panose="020B0603020101020101" pitchFamily="50" charset="-127"/>
+                <a:ea typeface="나눔바른고딕" panose="020B0603020101020101" pitchFamily="50" charset="-127"/>
+              </a:rPr>
+              <a:t>Brave Develper</a:t>
+            </a:r>
+            <a:endParaRPr lang="ko-KR" altLang="en-US">
+              <a:solidFill>
+                <a:srgbClr val="E7E6EB"/>
+              </a:solidFill>
+              <a:latin typeface="나눔바른고딕" panose="020B0603020101020101" pitchFamily="50" charset="-127"/>
+              <a:ea typeface="나눔바른고딕" panose="020B0603020101020101" pitchFamily="50" charset="-127"/>
+            </a:endParaRPr>
+          </a:p>
+        </p:txBody>
+      </p:sp>
+      <p:sp>
+        <p:nvSpPr>
+          <p:cNvPr id="12" name="TextBox 11">
+            <a:extLst>
+              <a:ext uri="{FF2B5EF4-FFF2-40B4-BE49-F238E27FC236}">
+                <a16:creationId xmlns:a16="http://schemas.microsoft.com/office/drawing/2014/main" id="{C2F1A76A-7EEE-495C-832E-6BE94C2393D3}"/>
+              </a:ext>
+            </a:extLst>
+          </p:cNvPr>
+          <p:cNvSpPr txBox="1"/>
+          <p:nvPr/>
+        </p:nvSpPr>
+        <p:spPr>
+          <a:xfrm rot="1200000">
+            <a:off x="5595652" y="4684350"/>
+            <a:ext cx="1877385" cy="461665"/>
+          </a:xfrm>
+          <a:prstGeom prst="rect">
+            <a:avLst/>
+          </a:prstGeom>
+          <a:noFill/>
+        </p:spPr>
+        <p:txBody>
+          <a:bodyPr wrap="square" rtlCol="0">
+            <a:spAutoFit/>
+          </a:bodyPr>
+          <a:lstStyle/>
+          <a:p>
+            <a:r>
+              <a:rPr lang="ko-KR" altLang="en-US" sz="2400">
+                <a:solidFill>
+                  <a:srgbClr val="E7E6EB"/>
+                </a:solidFill>
+                <a:latin typeface="나눔스퀘어_ac ExtraBold" panose="020B0600000101010101" pitchFamily="50" charset="-127"/>
+                <a:ea typeface="나눔스퀘어_ac ExtraBold" panose="020B0600000101010101" pitchFamily="50" charset="-127"/>
+              </a:rPr>
+              <a:t>한동이</a:t>
+            </a:r>
+          </a:p>
+        </p:txBody>
+      </p:sp>
+      <p:sp>
+        <p:nvSpPr>
+          <p:cNvPr id="13" name="TextBox 12">
+            <a:extLst>
+              <a:ext uri="{FF2B5EF4-FFF2-40B4-BE49-F238E27FC236}">
+                <a16:creationId xmlns:a16="http://schemas.microsoft.com/office/drawing/2014/main" id="{9EC6CE59-6CBD-48CB-97D3-EC75F034158D}"/>
+              </a:ext>
+            </a:extLst>
+          </p:cNvPr>
+          <p:cNvSpPr txBox="1"/>
+          <p:nvPr/>
+        </p:nvSpPr>
+        <p:spPr>
+          <a:xfrm rot="1200000">
+            <a:off x="6344734" y="4854303"/>
+            <a:ext cx="376201" cy="461665"/>
+          </a:xfrm>
+          <a:prstGeom prst="rect">
+            <a:avLst/>
+          </a:prstGeom>
+          <a:noFill/>
+        </p:spPr>
+        <p:txBody>
+          <a:bodyPr wrap="square" rtlCol="0">
+            <a:spAutoFit/>
+          </a:bodyPr>
+          <a:lstStyle/>
+          <a:p>
+            <a:r>
+              <a:rPr lang="en-US" altLang="ko-KR" sz="2400">
+                <a:solidFill>
+                  <a:srgbClr val="E7E6EB"/>
+                </a:solidFill>
+                <a:latin typeface="나눔스퀘어_ac ExtraBold" panose="020B0600000101010101" pitchFamily="50" charset="-127"/>
+                <a:ea typeface="나눔스퀘어_ac ExtraBold" panose="020B0600000101010101" pitchFamily="50" charset="-127"/>
+              </a:rPr>
+              <a:t>*</a:t>
+            </a:r>
+            <a:endParaRPr lang="ko-KR" altLang="en-US" sz="2400">
+              <a:solidFill>
+                <a:srgbClr val="E7E6EB"/>
+              </a:solidFill>
+              <a:latin typeface="나눔스퀘어_ac ExtraBold" panose="020B0600000101010101" pitchFamily="50" charset="-127"/>
+              <a:ea typeface="나눔스퀘어_ac ExtraBold" panose="020B0600000101010101" pitchFamily="50" charset="-127"/>
+            </a:endParaRPr>
+          </a:p>
+        </p:txBody>
+      </p:sp>
+      <p:sp>
+        <p:nvSpPr>
+          <p:cNvPr id="14" name="TextBox 13">
+            <a:extLst>
+              <a:ext uri="{FF2B5EF4-FFF2-40B4-BE49-F238E27FC236}">
+                <a16:creationId xmlns:a16="http://schemas.microsoft.com/office/drawing/2014/main" id="{96986823-EF8D-45D6-9CAC-20CC4A0B45C2}"/>
+              </a:ext>
+            </a:extLst>
+          </p:cNvPr>
+          <p:cNvSpPr txBox="1"/>
+          <p:nvPr/>
+        </p:nvSpPr>
+        <p:spPr>
+          <a:xfrm rot="1200000">
+            <a:off x="5243959" y="5674934"/>
+            <a:ext cx="2381606" cy="369332"/>
+          </a:xfrm>
+          <a:prstGeom prst="rect">
+            <a:avLst/>
+          </a:prstGeom>
+          <a:noFill/>
+        </p:spPr>
+        <p:txBody>
+          <a:bodyPr wrap="square" rtlCol="0">
+            <a:spAutoFit/>
+          </a:bodyPr>
+          <a:lstStyle/>
+          <a:p>
+            <a:r>
+              <a:rPr lang="en-US" altLang="ko-KR" sz="900">
+                <a:solidFill>
+                  <a:srgbClr val="94B5D6"/>
+                </a:solidFill>
+                <a:latin typeface="나눔바른고딕" panose="020B0603020101020101" pitchFamily="50" charset="-127"/>
+                <a:ea typeface="나눔바른고딕" panose="020B0603020101020101" pitchFamily="50" charset="-127"/>
+              </a:rPr>
+              <a:t>Namsong-ri 3 (HGU) Pohang</a:t>
+            </a:r>
+          </a:p>
+          <a:p>
+            <a:r>
+              <a:rPr lang="en-US" altLang="ko-KR" sz="900">
+                <a:solidFill>
+                  <a:srgbClr val="94B5D6"/>
+                </a:solidFill>
+                <a:latin typeface="나눔바른고딕" panose="020B0603020101020101" pitchFamily="50" charset="-127"/>
+                <a:ea typeface="나눔바른고딕" panose="020B0603020101020101" pitchFamily="50" charset="-127"/>
+              </a:rPr>
+              <a:t>github.com/brave-people</a:t>
+            </a:r>
+            <a:endParaRPr lang="ko-KR" altLang="en-US" sz="900">
+              <a:solidFill>
+                <a:srgbClr val="94B5D6"/>
+              </a:solidFill>
+              <a:latin typeface="나눔바른고딕" panose="020B0603020101020101" pitchFamily="50" charset="-127"/>
+              <a:ea typeface="나눔바른고딕" panose="020B0603020101020101" pitchFamily="50" charset="-127"/>
+            </a:endParaRPr>
+          </a:p>
+        </p:txBody>
+      </p:sp>
+    </p:spTree>
+    <p:extLst>
+      <p:ext uri="{BB962C8B-B14F-4D97-AF65-F5344CB8AC3E}">
+        <p14:creationId xmlns:p14="http://schemas.microsoft.com/office/powerpoint/2010/main" val="850069143"/>
+      </p:ext>
+    </p:extLst>
+  </p:cSld>
+  <p:clrMapOvr>
+    <a:masterClrMapping/>
+  </p:clrMapOvr>
+</p:sld>
+</file>
+
 <file path=ppt/theme/theme1.xml><?xml version="1.0" encoding="utf-8"?>
 <a:theme xmlns:a="http://schemas.openxmlformats.org/drawingml/2006/main" name="Office 테마">
   <a:themeElements>

--- a/img/img.pptx
+++ b/img/img.pptx
@@ -261,7 +261,7 @@
           <a:p>
             <a:fld id="{B24269AA-6B5D-4D5A-B50E-E1467D37A8CC}" type="datetimeFigureOut">
               <a:rPr lang="ko-KR" altLang="en-US" smtClean="0"/>
-              <a:t>2020-11-29</a:t>
+              <a:t>2020-12-06</a:t>
             </a:fld>
             <a:endParaRPr lang="ko-KR" altLang="en-US"/>
           </a:p>
@@ -459,7 +459,7 @@
           <a:p>
             <a:fld id="{B24269AA-6B5D-4D5A-B50E-E1467D37A8CC}" type="datetimeFigureOut">
               <a:rPr lang="ko-KR" altLang="en-US" smtClean="0"/>
-              <a:t>2020-11-29</a:t>
+              <a:t>2020-12-06</a:t>
             </a:fld>
             <a:endParaRPr lang="ko-KR" altLang="en-US"/>
           </a:p>
@@ -667,7 +667,7 @@
           <a:p>
             <a:fld id="{B24269AA-6B5D-4D5A-B50E-E1467D37A8CC}" type="datetimeFigureOut">
               <a:rPr lang="ko-KR" altLang="en-US" smtClean="0"/>
-              <a:t>2020-11-29</a:t>
+              <a:t>2020-12-06</a:t>
             </a:fld>
             <a:endParaRPr lang="ko-KR" altLang="en-US"/>
           </a:p>
@@ -865,7 +865,7 @@
           <a:p>
             <a:fld id="{B24269AA-6B5D-4D5A-B50E-E1467D37A8CC}" type="datetimeFigureOut">
               <a:rPr lang="ko-KR" altLang="en-US" smtClean="0"/>
-              <a:t>2020-11-29</a:t>
+              <a:t>2020-12-06</a:t>
             </a:fld>
             <a:endParaRPr lang="ko-KR" altLang="en-US"/>
           </a:p>
@@ -1140,7 +1140,7 @@
           <a:p>
             <a:fld id="{B24269AA-6B5D-4D5A-B50E-E1467D37A8CC}" type="datetimeFigureOut">
               <a:rPr lang="ko-KR" altLang="en-US" smtClean="0"/>
-              <a:t>2020-11-29</a:t>
+              <a:t>2020-12-06</a:t>
             </a:fld>
             <a:endParaRPr lang="ko-KR" altLang="en-US"/>
           </a:p>
@@ -1405,7 +1405,7 @@
           <a:p>
             <a:fld id="{B24269AA-6B5D-4D5A-B50E-E1467D37A8CC}" type="datetimeFigureOut">
               <a:rPr lang="ko-KR" altLang="en-US" smtClean="0"/>
-              <a:t>2020-11-29</a:t>
+              <a:t>2020-12-06</a:t>
             </a:fld>
             <a:endParaRPr lang="ko-KR" altLang="en-US"/>
           </a:p>
@@ -1817,7 +1817,7 @@
           <a:p>
             <a:fld id="{B24269AA-6B5D-4D5A-B50E-E1467D37A8CC}" type="datetimeFigureOut">
               <a:rPr lang="ko-KR" altLang="en-US" smtClean="0"/>
-              <a:t>2020-11-29</a:t>
+              <a:t>2020-12-06</a:t>
             </a:fld>
             <a:endParaRPr lang="ko-KR" altLang="en-US"/>
           </a:p>
@@ -1958,7 +1958,7 @@
           <a:p>
             <a:fld id="{B24269AA-6B5D-4D5A-B50E-E1467D37A8CC}" type="datetimeFigureOut">
               <a:rPr lang="ko-KR" altLang="en-US" smtClean="0"/>
-              <a:t>2020-11-29</a:t>
+              <a:t>2020-12-06</a:t>
             </a:fld>
             <a:endParaRPr lang="ko-KR" altLang="en-US"/>
           </a:p>
@@ -2071,7 +2071,7 @@
           <a:p>
             <a:fld id="{B24269AA-6B5D-4D5A-B50E-E1467D37A8CC}" type="datetimeFigureOut">
               <a:rPr lang="ko-KR" altLang="en-US" smtClean="0"/>
-              <a:t>2020-11-29</a:t>
+              <a:t>2020-12-06</a:t>
             </a:fld>
             <a:endParaRPr lang="ko-KR" altLang="en-US"/>
           </a:p>
@@ -2382,7 +2382,7 @@
           <a:p>
             <a:fld id="{B24269AA-6B5D-4D5A-B50E-E1467D37A8CC}" type="datetimeFigureOut">
               <a:rPr lang="ko-KR" altLang="en-US" smtClean="0"/>
-              <a:t>2020-11-29</a:t>
+              <a:t>2020-12-06</a:t>
             </a:fld>
             <a:endParaRPr lang="ko-KR" altLang="en-US"/>
           </a:p>
@@ -2670,7 +2670,7 @@
           <a:p>
             <a:fld id="{B24269AA-6B5D-4D5A-B50E-E1467D37A8CC}" type="datetimeFigureOut">
               <a:rPr lang="ko-KR" altLang="en-US" smtClean="0"/>
-              <a:t>2020-11-29</a:t>
+              <a:t>2020-12-06</a:t>
             </a:fld>
             <a:endParaRPr lang="ko-KR" altLang="en-US"/>
           </a:p>
@@ -2911,7 +2911,7 @@
           <a:p>
             <a:fld id="{B24269AA-6B5D-4D5A-B50E-E1467D37A8CC}" type="datetimeFigureOut">
               <a:rPr lang="ko-KR" altLang="en-US" smtClean="0"/>
-              <a:t>2020-11-29</a:t>
+              <a:t>2020-12-06</a:t>
             </a:fld>
             <a:endParaRPr lang="ko-KR" altLang="en-US"/>
           </a:p>
@@ -4356,7 +4356,7 @@
                 <a:latin typeface="나눔스퀘어_ac ExtraBold" panose="020B0600000101010101" pitchFamily="50" charset="-127"/>
                 <a:ea typeface="나눔스퀘어_ac ExtraBold" panose="020B0600000101010101" pitchFamily="50" charset="-127"/>
               </a:rPr>
-              <a:t>김서버</a:t>
+              <a:t>용감이</a:t>
             </a:r>
           </a:p>
         </p:txBody>

--- a/img/img.pptx
+++ b/img/img.pptx
@@ -8,6 +8,7 @@
     <p:sldId id="256" r:id="rId2"/>
     <p:sldId id="257" r:id="rId3"/>
     <p:sldId id="258" r:id="rId4"/>
+    <p:sldId id="259" r:id="rId5"/>
   </p:sldIdLst>
   <p:sldSz cx="12192000" cy="6858000"/>
   <p:notesSz cx="6858000" cy="9144000"/>
@@ -261,7 +262,7 @@
           <a:p>
             <a:fld id="{B24269AA-6B5D-4D5A-B50E-E1467D37A8CC}" type="datetimeFigureOut">
               <a:rPr lang="ko-KR" altLang="en-US" smtClean="0"/>
-              <a:t>2020-12-06</a:t>
+              <a:t>2020-12-12</a:t>
             </a:fld>
             <a:endParaRPr lang="ko-KR" altLang="en-US"/>
           </a:p>
@@ -459,7 +460,7 @@
           <a:p>
             <a:fld id="{B24269AA-6B5D-4D5A-B50E-E1467D37A8CC}" type="datetimeFigureOut">
               <a:rPr lang="ko-KR" altLang="en-US" smtClean="0"/>
-              <a:t>2020-12-06</a:t>
+              <a:t>2020-12-12</a:t>
             </a:fld>
             <a:endParaRPr lang="ko-KR" altLang="en-US"/>
           </a:p>
@@ -667,7 +668,7 @@
           <a:p>
             <a:fld id="{B24269AA-6B5D-4D5A-B50E-E1467D37A8CC}" type="datetimeFigureOut">
               <a:rPr lang="ko-KR" altLang="en-US" smtClean="0"/>
-              <a:t>2020-12-06</a:t>
+              <a:t>2020-12-12</a:t>
             </a:fld>
             <a:endParaRPr lang="ko-KR" altLang="en-US"/>
           </a:p>
@@ -865,7 +866,7 @@
           <a:p>
             <a:fld id="{B24269AA-6B5D-4D5A-B50E-E1467D37A8CC}" type="datetimeFigureOut">
               <a:rPr lang="ko-KR" altLang="en-US" smtClean="0"/>
-              <a:t>2020-12-06</a:t>
+              <a:t>2020-12-12</a:t>
             </a:fld>
             <a:endParaRPr lang="ko-KR" altLang="en-US"/>
           </a:p>
@@ -1140,7 +1141,7 @@
           <a:p>
             <a:fld id="{B24269AA-6B5D-4D5A-B50E-E1467D37A8CC}" type="datetimeFigureOut">
               <a:rPr lang="ko-KR" altLang="en-US" smtClean="0"/>
-              <a:t>2020-12-06</a:t>
+              <a:t>2020-12-12</a:t>
             </a:fld>
             <a:endParaRPr lang="ko-KR" altLang="en-US"/>
           </a:p>
@@ -1405,7 +1406,7 @@
           <a:p>
             <a:fld id="{B24269AA-6B5D-4D5A-B50E-E1467D37A8CC}" type="datetimeFigureOut">
               <a:rPr lang="ko-KR" altLang="en-US" smtClean="0"/>
-              <a:t>2020-12-06</a:t>
+              <a:t>2020-12-12</a:t>
             </a:fld>
             <a:endParaRPr lang="ko-KR" altLang="en-US"/>
           </a:p>
@@ -1817,7 +1818,7 @@
           <a:p>
             <a:fld id="{B24269AA-6B5D-4D5A-B50E-E1467D37A8CC}" type="datetimeFigureOut">
               <a:rPr lang="ko-KR" altLang="en-US" smtClean="0"/>
-              <a:t>2020-12-06</a:t>
+              <a:t>2020-12-12</a:t>
             </a:fld>
             <a:endParaRPr lang="ko-KR" altLang="en-US"/>
           </a:p>
@@ -1958,7 +1959,7 @@
           <a:p>
             <a:fld id="{B24269AA-6B5D-4D5A-B50E-E1467D37A8CC}" type="datetimeFigureOut">
               <a:rPr lang="ko-KR" altLang="en-US" smtClean="0"/>
-              <a:t>2020-12-06</a:t>
+              <a:t>2020-12-12</a:t>
             </a:fld>
             <a:endParaRPr lang="ko-KR" altLang="en-US"/>
           </a:p>
@@ -2071,7 +2072,7 @@
           <a:p>
             <a:fld id="{B24269AA-6B5D-4D5A-B50E-E1467D37A8CC}" type="datetimeFigureOut">
               <a:rPr lang="ko-KR" altLang="en-US" smtClean="0"/>
-              <a:t>2020-12-06</a:t>
+              <a:t>2020-12-12</a:t>
             </a:fld>
             <a:endParaRPr lang="ko-KR" altLang="en-US"/>
           </a:p>
@@ -2382,7 +2383,7 @@
           <a:p>
             <a:fld id="{B24269AA-6B5D-4D5A-B50E-E1467D37A8CC}" type="datetimeFigureOut">
               <a:rPr lang="ko-KR" altLang="en-US" smtClean="0"/>
-              <a:t>2020-12-06</a:t>
+              <a:t>2020-12-12</a:t>
             </a:fld>
             <a:endParaRPr lang="ko-KR" altLang="en-US"/>
           </a:p>
@@ -2670,7 +2671,7 @@
           <a:p>
             <a:fld id="{B24269AA-6B5D-4D5A-B50E-E1467D37A8CC}" type="datetimeFigureOut">
               <a:rPr lang="ko-KR" altLang="en-US" smtClean="0"/>
-              <a:t>2020-12-06</a:t>
+              <a:t>2020-12-12</a:t>
             </a:fld>
             <a:endParaRPr lang="ko-KR" altLang="en-US"/>
           </a:p>
@@ -2911,7 +2912,7 @@
           <a:p>
             <a:fld id="{B24269AA-6B5D-4D5A-B50E-E1467D37A8CC}" type="datetimeFigureOut">
               <a:rPr lang="ko-KR" altLang="en-US" smtClean="0"/>
-              <a:t>2020-12-06</a:t>
+              <a:t>2020-12-12</a:t>
             </a:fld>
             <a:endParaRPr lang="ko-KR" altLang="en-US"/>
           </a:p>
@@ -4691,6 +4692,73 @@
 </p:sld>
 </file>
 
+<file path=ppt/slides/slide4.xml><?xml version="1.0" encoding="utf-8"?>
+<p:sld xmlns:a="http://schemas.openxmlformats.org/drawingml/2006/main" xmlns:r="http://schemas.openxmlformats.org/officeDocument/2006/relationships" xmlns:p="http://schemas.openxmlformats.org/presentationml/2006/main">
+  <p:cSld>
+    <p:bg>
+      <p:bgPr>
+        <a:solidFill>
+          <a:schemeClr val="tx1"/>
+        </a:solidFill>
+        <a:effectLst/>
+      </p:bgPr>
+    </p:bg>
+    <p:spTree>
+      <p:nvGrpSpPr>
+        <p:cNvPr id="1" name=""/>
+        <p:cNvGrpSpPr/>
+        <p:nvPr/>
+      </p:nvGrpSpPr>
+      <p:grpSpPr>
+        <a:xfrm>
+          <a:off x="0" y="0"/>
+          <a:ext cx="0" cy="0"/>
+          <a:chOff x="0" y="0"/>
+          <a:chExt cx="0" cy="0"/>
+        </a:xfrm>
+      </p:grpSpPr>
+      <p:pic>
+        <p:nvPicPr>
+          <p:cNvPr id="5" name="그림 4">
+            <a:extLst>
+              <a:ext uri="{FF2B5EF4-FFF2-40B4-BE49-F238E27FC236}">
+                <a16:creationId xmlns:a16="http://schemas.microsoft.com/office/drawing/2014/main" id="{67D8AFD2-B601-417E-B11E-11A1A0E669A6}"/>
+              </a:ext>
+            </a:extLst>
+          </p:cNvPr>
+          <p:cNvPicPr>
+            <a:picLocks noChangeAspect="1"/>
+          </p:cNvPicPr>
+          <p:nvPr/>
+        </p:nvPicPr>
+        <p:blipFill rotWithShape="1">
+          <a:blip r:embed="rId2"/>
+          <a:srcRect r="833"/>
+          <a:stretch/>
+        </p:blipFill>
+        <p:spPr>
+          <a:xfrm>
+            <a:off x="50800" y="0"/>
+            <a:ext cx="12090400" cy="6858000"/>
+          </a:xfrm>
+          <a:prstGeom prst="rect">
+            <a:avLst/>
+          </a:prstGeom>
+        </p:spPr>
+      </p:pic>
+    </p:spTree>
+    <p:extLst>
+      <p:ext uri="{BB962C8B-B14F-4D97-AF65-F5344CB8AC3E}">
+        <p14:creationId xmlns:p14="http://schemas.microsoft.com/office/powerpoint/2010/main" val="3013065892"/>
+      </p:ext>
+    </p:extLst>
+  </p:cSld>
+  <p:clrMapOvr>
+    <a:masterClrMapping/>
+  </p:clrMapOvr>
+</p:sld>
+</file>
+
 <file path=ppt/theme/theme1.xml><?xml version="1.0" encoding="utf-8"?>
 <a:theme xmlns:a="http://schemas.openxmlformats.org/drawingml/2006/main" name="Office 테마">
   <a:themeElements>

--- a/img/img.pptx
+++ b/img/img.pptx
@@ -9,6 +9,7 @@
     <p:sldId id="257" r:id="rId3"/>
     <p:sldId id="258" r:id="rId4"/>
     <p:sldId id="259" r:id="rId5"/>
+    <p:sldId id="260" r:id="rId6"/>
   </p:sldIdLst>
   <p:sldSz cx="12192000" cy="6858000"/>
   <p:notesSz cx="6858000" cy="9144000"/>
@@ -262,7 +263,7 @@
           <a:p>
             <a:fld id="{B24269AA-6B5D-4D5A-B50E-E1467D37A8CC}" type="datetimeFigureOut">
               <a:rPr lang="ko-KR" altLang="en-US" smtClean="0"/>
-              <a:t>2020-12-12</a:t>
+              <a:t>2020-12-21</a:t>
             </a:fld>
             <a:endParaRPr lang="ko-KR" altLang="en-US"/>
           </a:p>
@@ -460,7 +461,7 @@
           <a:p>
             <a:fld id="{B24269AA-6B5D-4D5A-B50E-E1467D37A8CC}" type="datetimeFigureOut">
               <a:rPr lang="ko-KR" altLang="en-US" smtClean="0"/>
-              <a:t>2020-12-12</a:t>
+              <a:t>2020-12-21</a:t>
             </a:fld>
             <a:endParaRPr lang="ko-KR" altLang="en-US"/>
           </a:p>
@@ -668,7 +669,7 @@
           <a:p>
             <a:fld id="{B24269AA-6B5D-4D5A-B50E-E1467D37A8CC}" type="datetimeFigureOut">
               <a:rPr lang="ko-KR" altLang="en-US" smtClean="0"/>
-              <a:t>2020-12-12</a:t>
+              <a:t>2020-12-21</a:t>
             </a:fld>
             <a:endParaRPr lang="ko-KR" altLang="en-US"/>
           </a:p>
@@ -866,7 +867,7 @@
           <a:p>
             <a:fld id="{B24269AA-6B5D-4D5A-B50E-E1467D37A8CC}" type="datetimeFigureOut">
               <a:rPr lang="ko-KR" altLang="en-US" smtClean="0"/>
-              <a:t>2020-12-12</a:t>
+              <a:t>2020-12-21</a:t>
             </a:fld>
             <a:endParaRPr lang="ko-KR" altLang="en-US"/>
           </a:p>
@@ -1141,7 +1142,7 @@
           <a:p>
             <a:fld id="{B24269AA-6B5D-4D5A-B50E-E1467D37A8CC}" type="datetimeFigureOut">
               <a:rPr lang="ko-KR" altLang="en-US" smtClean="0"/>
-              <a:t>2020-12-12</a:t>
+              <a:t>2020-12-21</a:t>
             </a:fld>
             <a:endParaRPr lang="ko-KR" altLang="en-US"/>
           </a:p>
@@ -1406,7 +1407,7 @@
           <a:p>
             <a:fld id="{B24269AA-6B5D-4D5A-B50E-E1467D37A8CC}" type="datetimeFigureOut">
               <a:rPr lang="ko-KR" altLang="en-US" smtClean="0"/>
-              <a:t>2020-12-12</a:t>
+              <a:t>2020-12-21</a:t>
             </a:fld>
             <a:endParaRPr lang="ko-KR" altLang="en-US"/>
           </a:p>
@@ -1818,7 +1819,7 @@
           <a:p>
             <a:fld id="{B24269AA-6B5D-4D5A-B50E-E1467D37A8CC}" type="datetimeFigureOut">
               <a:rPr lang="ko-KR" altLang="en-US" smtClean="0"/>
-              <a:t>2020-12-12</a:t>
+              <a:t>2020-12-21</a:t>
             </a:fld>
             <a:endParaRPr lang="ko-KR" altLang="en-US"/>
           </a:p>
@@ -1959,7 +1960,7 @@
           <a:p>
             <a:fld id="{B24269AA-6B5D-4D5A-B50E-E1467D37A8CC}" type="datetimeFigureOut">
               <a:rPr lang="ko-KR" altLang="en-US" smtClean="0"/>
-              <a:t>2020-12-12</a:t>
+              <a:t>2020-12-21</a:t>
             </a:fld>
             <a:endParaRPr lang="ko-KR" altLang="en-US"/>
           </a:p>
@@ -2072,7 +2073,7 @@
           <a:p>
             <a:fld id="{B24269AA-6B5D-4D5A-B50E-E1467D37A8CC}" type="datetimeFigureOut">
               <a:rPr lang="ko-KR" altLang="en-US" smtClean="0"/>
-              <a:t>2020-12-12</a:t>
+              <a:t>2020-12-21</a:t>
             </a:fld>
             <a:endParaRPr lang="ko-KR" altLang="en-US"/>
           </a:p>
@@ -2383,7 +2384,7 @@
           <a:p>
             <a:fld id="{B24269AA-6B5D-4D5A-B50E-E1467D37A8CC}" type="datetimeFigureOut">
               <a:rPr lang="ko-KR" altLang="en-US" smtClean="0"/>
-              <a:t>2020-12-12</a:t>
+              <a:t>2020-12-21</a:t>
             </a:fld>
             <a:endParaRPr lang="ko-KR" altLang="en-US"/>
           </a:p>
@@ -2671,7 +2672,7 @@
           <a:p>
             <a:fld id="{B24269AA-6B5D-4D5A-B50E-E1467D37A8CC}" type="datetimeFigureOut">
               <a:rPr lang="ko-KR" altLang="en-US" smtClean="0"/>
-              <a:t>2020-12-12</a:t>
+              <a:t>2020-12-21</a:t>
             </a:fld>
             <a:endParaRPr lang="ko-KR" altLang="en-US"/>
           </a:p>
@@ -2912,7 +2913,7 @@
           <a:p>
             <a:fld id="{B24269AA-6B5D-4D5A-B50E-E1467D37A8CC}" type="datetimeFigureOut">
               <a:rPr lang="ko-KR" altLang="en-US" smtClean="0"/>
-              <a:t>2020-12-12</a:t>
+              <a:t>2020-12-21</a:t>
             </a:fld>
             <a:endParaRPr lang="ko-KR" altLang="en-US"/>
           </a:p>
@@ -4759,6 +4760,149 @@
 </p:sld>
 </file>
 
+<file path=ppt/slides/slide5.xml><?xml version="1.0" encoding="utf-8"?>
+<p:sld xmlns:a="http://schemas.openxmlformats.org/drawingml/2006/main" xmlns:r="http://schemas.openxmlformats.org/officeDocument/2006/relationships" xmlns:p="http://schemas.openxmlformats.org/presentationml/2006/main">
+  <p:cSld>
+    <p:spTree>
+      <p:nvGrpSpPr>
+        <p:cNvPr id="1" name=""/>
+        <p:cNvGrpSpPr/>
+        <p:nvPr/>
+      </p:nvGrpSpPr>
+      <p:grpSpPr>
+        <a:xfrm>
+          <a:off x="0" y="0"/>
+          <a:ext cx="0" cy="0"/>
+          <a:chOff x="0" y="0"/>
+          <a:chExt cx="0" cy="0"/>
+        </a:xfrm>
+      </p:grpSpPr>
+      <p:pic>
+        <p:nvPicPr>
+          <p:cNvPr id="5" name="그림 4">
+            <a:extLst>
+              <a:ext uri="{FF2B5EF4-FFF2-40B4-BE49-F238E27FC236}">
+                <a16:creationId xmlns:a16="http://schemas.microsoft.com/office/drawing/2014/main" id="{DD61B7E5-A81A-4CEB-894A-C4215C29159E}"/>
+              </a:ext>
+            </a:extLst>
+          </p:cNvPr>
+          <p:cNvPicPr>
+            <a:picLocks noChangeAspect="1"/>
+          </p:cNvPicPr>
+          <p:nvPr/>
+        </p:nvPicPr>
+        <p:blipFill>
+          <a:blip r:embed="rId2">
+            <a:extLst>
+              <a:ext uri="{28A0092B-C50C-407E-A947-70E740481C1C}">
+                <a14:useLocalDpi xmlns:a14="http://schemas.microsoft.com/office/drawing/2010/main" val="0"/>
+              </a:ext>
+            </a:extLst>
+          </a:blip>
+          <a:stretch>
+            <a:fillRect/>
+          </a:stretch>
+        </p:blipFill>
+        <p:spPr>
+          <a:xfrm>
+            <a:off x="3573536" y="2116546"/>
+            <a:ext cx="1629439" cy="1615917"/>
+          </a:xfrm>
+          <a:prstGeom prst="rect">
+            <a:avLst/>
+          </a:prstGeom>
+        </p:spPr>
+      </p:pic>
+      <p:pic>
+        <p:nvPicPr>
+          <p:cNvPr id="1026" name="Picture 2" descr="헉헉 네이버 웨일 고래 너무 귀엽다">
+            <a:extLst>
+              <a:ext uri="{FF2B5EF4-FFF2-40B4-BE49-F238E27FC236}">
+                <a16:creationId xmlns:a16="http://schemas.microsoft.com/office/drawing/2014/main" id="{9322F158-1E8F-4C1E-97BA-ECC7D1BCE2E9}"/>
+              </a:ext>
+            </a:extLst>
+          </p:cNvPr>
+          <p:cNvPicPr>
+            <a:picLocks noChangeAspect="1" noChangeArrowheads="1"/>
+          </p:cNvPicPr>
+          <p:nvPr/>
+        </p:nvPicPr>
+        <p:blipFill>
+          <a:blip r:embed="rId3">
+            <a:extLst>
+              <a:ext uri="{28A0092B-C50C-407E-A947-70E740481C1C}">
+                <a14:useLocalDpi xmlns:a14="http://schemas.microsoft.com/office/drawing/2010/main" val="0"/>
+              </a:ext>
+            </a:extLst>
+          </a:blip>
+          <a:srcRect/>
+          <a:stretch>
+            <a:fillRect/>
+          </a:stretch>
+        </p:blipFill>
+        <p:spPr bwMode="auto">
+          <a:xfrm>
+            <a:off x="5474902" y="1959415"/>
+            <a:ext cx="1781257" cy="1773048"/>
+          </a:xfrm>
+          <a:prstGeom prst="rect">
+            <a:avLst/>
+          </a:prstGeom>
+          <a:noFill/>
+          <a:extLst>
+            <a:ext uri="{909E8E84-426E-40DD-AFC4-6F175D3DCCD1}">
+              <a14:hiddenFill xmlns:a14="http://schemas.microsoft.com/office/drawing/2010/main">
+                <a:solidFill>
+                  <a:srgbClr val="FFFFFF"/>
+                </a:solidFill>
+              </a14:hiddenFill>
+            </a:ext>
+          </a:extLst>
+        </p:spPr>
+      </p:pic>
+      <p:pic>
+        <p:nvPicPr>
+          <p:cNvPr id="7" name="그림 6">
+            <a:extLst>
+              <a:ext uri="{FF2B5EF4-FFF2-40B4-BE49-F238E27FC236}">
+                <a16:creationId xmlns:a16="http://schemas.microsoft.com/office/drawing/2014/main" id="{28FBF561-B1FA-4A5C-AFFC-829977A1A3A5}"/>
+              </a:ext>
+            </a:extLst>
+          </p:cNvPr>
+          <p:cNvPicPr>
+            <a:picLocks noChangeAspect="1"/>
+          </p:cNvPicPr>
+          <p:nvPr/>
+        </p:nvPicPr>
+        <p:blipFill>
+          <a:blip r:embed="rId4"/>
+          <a:stretch>
+            <a:fillRect/>
+          </a:stretch>
+        </p:blipFill>
+        <p:spPr>
+          <a:xfrm>
+            <a:off x="6338392" y="5361523"/>
+            <a:ext cx="1724025" cy="600075"/>
+          </a:xfrm>
+          <a:prstGeom prst="rect">
+            <a:avLst/>
+          </a:prstGeom>
+        </p:spPr>
+      </p:pic>
+    </p:spTree>
+    <p:extLst>
+      <p:ext uri="{BB962C8B-B14F-4D97-AF65-F5344CB8AC3E}">
+        <p14:creationId xmlns:p14="http://schemas.microsoft.com/office/powerpoint/2010/main" val="2021048305"/>
+      </p:ext>
+    </p:extLst>
+  </p:cSld>
+  <p:clrMapOvr>
+    <a:masterClrMapping/>
+  </p:clrMapOvr>
+</p:sld>
+</file>
+
 <file path=ppt/theme/theme1.xml><?xml version="1.0" encoding="utf-8"?>
 <a:theme xmlns:a="http://schemas.openxmlformats.org/drawingml/2006/main" name="Office 테마">
   <a:themeElements>

--- a/img/img.pptx
+++ b/img/img.pptx
@@ -10,6 +10,7 @@
     <p:sldId id="258" r:id="rId4"/>
     <p:sldId id="259" r:id="rId5"/>
     <p:sldId id="260" r:id="rId6"/>
+    <p:sldId id="261" r:id="rId7"/>
   </p:sldIdLst>
   <p:sldSz cx="12192000" cy="6858000"/>
   <p:notesSz cx="6858000" cy="9144000"/>
@@ -263,7 +264,7 @@
           <a:p>
             <a:fld id="{B24269AA-6B5D-4D5A-B50E-E1467D37A8CC}" type="datetimeFigureOut">
               <a:rPr lang="ko-KR" altLang="en-US" smtClean="0"/>
-              <a:t>2020-12-21</a:t>
+              <a:t>2021-01-01</a:t>
             </a:fld>
             <a:endParaRPr lang="ko-KR" altLang="en-US"/>
           </a:p>
@@ -461,7 +462,7 @@
           <a:p>
             <a:fld id="{B24269AA-6B5D-4D5A-B50E-E1467D37A8CC}" type="datetimeFigureOut">
               <a:rPr lang="ko-KR" altLang="en-US" smtClean="0"/>
-              <a:t>2020-12-21</a:t>
+              <a:t>2021-01-01</a:t>
             </a:fld>
             <a:endParaRPr lang="ko-KR" altLang="en-US"/>
           </a:p>
@@ -669,7 +670,7 @@
           <a:p>
             <a:fld id="{B24269AA-6B5D-4D5A-B50E-E1467D37A8CC}" type="datetimeFigureOut">
               <a:rPr lang="ko-KR" altLang="en-US" smtClean="0"/>
-              <a:t>2020-12-21</a:t>
+              <a:t>2021-01-01</a:t>
             </a:fld>
             <a:endParaRPr lang="ko-KR" altLang="en-US"/>
           </a:p>
@@ -867,7 +868,7 @@
           <a:p>
             <a:fld id="{B24269AA-6B5D-4D5A-B50E-E1467D37A8CC}" type="datetimeFigureOut">
               <a:rPr lang="ko-KR" altLang="en-US" smtClean="0"/>
-              <a:t>2020-12-21</a:t>
+              <a:t>2021-01-01</a:t>
             </a:fld>
             <a:endParaRPr lang="ko-KR" altLang="en-US"/>
           </a:p>
@@ -1142,7 +1143,7 @@
           <a:p>
             <a:fld id="{B24269AA-6B5D-4D5A-B50E-E1467D37A8CC}" type="datetimeFigureOut">
               <a:rPr lang="ko-KR" altLang="en-US" smtClean="0"/>
-              <a:t>2020-12-21</a:t>
+              <a:t>2021-01-01</a:t>
             </a:fld>
             <a:endParaRPr lang="ko-KR" altLang="en-US"/>
           </a:p>
@@ -1407,7 +1408,7 @@
           <a:p>
             <a:fld id="{B24269AA-6B5D-4D5A-B50E-E1467D37A8CC}" type="datetimeFigureOut">
               <a:rPr lang="ko-KR" altLang="en-US" smtClean="0"/>
-              <a:t>2020-12-21</a:t>
+              <a:t>2021-01-01</a:t>
             </a:fld>
             <a:endParaRPr lang="ko-KR" altLang="en-US"/>
           </a:p>
@@ -1819,7 +1820,7 @@
           <a:p>
             <a:fld id="{B24269AA-6B5D-4D5A-B50E-E1467D37A8CC}" type="datetimeFigureOut">
               <a:rPr lang="ko-KR" altLang="en-US" smtClean="0"/>
-              <a:t>2020-12-21</a:t>
+              <a:t>2021-01-01</a:t>
             </a:fld>
             <a:endParaRPr lang="ko-KR" altLang="en-US"/>
           </a:p>
@@ -1960,7 +1961,7 @@
           <a:p>
             <a:fld id="{B24269AA-6B5D-4D5A-B50E-E1467D37A8CC}" type="datetimeFigureOut">
               <a:rPr lang="ko-KR" altLang="en-US" smtClean="0"/>
-              <a:t>2020-12-21</a:t>
+              <a:t>2021-01-01</a:t>
             </a:fld>
             <a:endParaRPr lang="ko-KR" altLang="en-US"/>
           </a:p>
@@ -2073,7 +2074,7 @@
           <a:p>
             <a:fld id="{B24269AA-6B5D-4D5A-B50E-E1467D37A8CC}" type="datetimeFigureOut">
               <a:rPr lang="ko-KR" altLang="en-US" smtClean="0"/>
-              <a:t>2020-12-21</a:t>
+              <a:t>2021-01-01</a:t>
             </a:fld>
             <a:endParaRPr lang="ko-KR" altLang="en-US"/>
           </a:p>
@@ -2384,7 +2385,7 @@
           <a:p>
             <a:fld id="{B24269AA-6B5D-4D5A-B50E-E1467D37A8CC}" type="datetimeFigureOut">
               <a:rPr lang="ko-KR" altLang="en-US" smtClean="0"/>
-              <a:t>2020-12-21</a:t>
+              <a:t>2021-01-01</a:t>
             </a:fld>
             <a:endParaRPr lang="ko-KR" altLang="en-US"/>
           </a:p>
@@ -2672,7 +2673,7 @@
           <a:p>
             <a:fld id="{B24269AA-6B5D-4D5A-B50E-E1467D37A8CC}" type="datetimeFigureOut">
               <a:rPr lang="ko-KR" altLang="en-US" smtClean="0"/>
-              <a:t>2020-12-21</a:t>
+              <a:t>2021-01-01</a:t>
             </a:fld>
             <a:endParaRPr lang="ko-KR" altLang="en-US"/>
           </a:p>
@@ -2913,7 +2914,7 @@
           <a:p>
             <a:fld id="{B24269AA-6B5D-4D5A-B50E-E1467D37A8CC}" type="datetimeFigureOut">
               <a:rPr lang="ko-KR" altLang="en-US" smtClean="0"/>
-              <a:t>2020-12-21</a:t>
+              <a:t>2021-01-01</a:t>
             </a:fld>
             <a:endParaRPr lang="ko-KR" altLang="en-US"/>
           </a:p>
@@ -4903,6 +4904,71 @@
 </p:sld>
 </file>
 
+<file path=ppt/slides/slide6.xml><?xml version="1.0" encoding="utf-8"?>
+<p:sld xmlns:a="http://schemas.openxmlformats.org/drawingml/2006/main" xmlns:r="http://schemas.openxmlformats.org/officeDocument/2006/relationships" xmlns:p="http://schemas.openxmlformats.org/presentationml/2006/main">
+  <p:cSld>
+    <p:spTree>
+      <p:nvGrpSpPr>
+        <p:cNvPr id="1" name=""/>
+        <p:cNvGrpSpPr/>
+        <p:nvPr/>
+      </p:nvGrpSpPr>
+      <p:grpSpPr>
+        <a:xfrm>
+          <a:off x="0" y="0"/>
+          <a:ext cx="0" cy="0"/>
+          <a:chOff x="0" y="0"/>
+          <a:chExt cx="0" cy="0"/>
+        </a:xfrm>
+      </p:grpSpPr>
+      <p:pic>
+        <p:nvPicPr>
+          <p:cNvPr id="5" name="그림 4" descr="실외, 건물, 키큰, 도시이(가) 표시된 사진&#10;&#10;자동 생성된 설명">
+            <a:extLst>
+              <a:ext uri="{FF2B5EF4-FFF2-40B4-BE49-F238E27FC236}">
+                <a16:creationId xmlns:a16="http://schemas.microsoft.com/office/drawing/2014/main" id="{ED287D79-32B9-4133-A8F9-9278AE374CB1}"/>
+              </a:ext>
+            </a:extLst>
+          </p:cNvPr>
+          <p:cNvPicPr>
+            <a:picLocks noChangeAspect="1"/>
+          </p:cNvPicPr>
+          <p:nvPr/>
+        </p:nvPicPr>
+        <p:blipFill rotWithShape="1">
+          <a:blip r:embed="rId2">
+            <a:extLst>
+              <a:ext uri="{28A0092B-C50C-407E-A947-70E740481C1C}">
+                <a14:useLocalDpi xmlns:a14="http://schemas.microsoft.com/office/drawing/2010/main" val="0"/>
+              </a:ext>
+            </a:extLst>
+          </a:blip>
+          <a:srcRect b="25417"/>
+          <a:stretch/>
+        </p:blipFill>
+        <p:spPr>
+          <a:xfrm>
+            <a:off x="0" y="381000"/>
+            <a:ext cx="12192000" cy="4546600"/>
+          </a:xfrm>
+          <a:prstGeom prst="rect">
+            <a:avLst/>
+          </a:prstGeom>
+        </p:spPr>
+      </p:pic>
+    </p:spTree>
+    <p:extLst>
+      <p:ext uri="{BB962C8B-B14F-4D97-AF65-F5344CB8AC3E}">
+        <p14:creationId xmlns:p14="http://schemas.microsoft.com/office/powerpoint/2010/main" val="2841132786"/>
+      </p:ext>
+    </p:extLst>
+  </p:cSld>
+  <p:clrMapOvr>
+    <a:masterClrMapping/>
+  </p:clrMapOvr>
+</p:sld>
+</file>
+
 <file path=ppt/theme/theme1.xml><?xml version="1.0" encoding="utf-8"?>
 <a:theme xmlns:a="http://schemas.openxmlformats.org/drawingml/2006/main" name="Office 테마">
   <a:themeElements>

--- a/img/img.pptx
+++ b/img/img.pptx
@@ -4,6 +4,9 @@
   <p:sldMasterIdLst>
     <p:sldMasterId id="2147483648" r:id="rId1"/>
   </p:sldMasterIdLst>
+  <p:notesMasterIdLst>
+    <p:notesMasterId r:id="rId10"/>
+  </p:notesMasterIdLst>
   <p:sldIdLst>
     <p:sldId id="256" r:id="rId2"/>
     <p:sldId id="257" r:id="rId3"/>
@@ -11,6 +14,8 @@
     <p:sldId id="259" r:id="rId5"/>
     <p:sldId id="260" r:id="rId6"/>
     <p:sldId id="261" r:id="rId7"/>
+    <p:sldId id="262" r:id="rId8"/>
+    <p:sldId id="263" r:id="rId9"/>
   </p:sldIdLst>
   <p:sldSz cx="12192000" cy="6858000"/>
   <p:notesSz cx="6858000" cy="9144000"/>
@@ -115,6 +120,439 @@
     </p:ext>
   </p:extLst>
 </p:presentation>
+</file>
+
+<file path=ppt/notesMasters/notesMaster1.xml><?xml version="1.0" encoding="utf-8"?>
+<p:notesMaster xmlns:a="http://schemas.openxmlformats.org/drawingml/2006/main" xmlns:r="http://schemas.openxmlformats.org/officeDocument/2006/relationships" xmlns:p="http://schemas.openxmlformats.org/presentationml/2006/main">
+  <p:cSld>
+    <p:bg>
+      <p:bgRef idx="1001">
+        <a:schemeClr val="bg1"/>
+      </p:bgRef>
+    </p:bg>
+    <p:spTree>
+      <p:nvGrpSpPr>
+        <p:cNvPr id="1" name=""/>
+        <p:cNvGrpSpPr/>
+        <p:nvPr/>
+      </p:nvGrpSpPr>
+      <p:grpSpPr>
+        <a:xfrm>
+          <a:off x="0" y="0"/>
+          <a:ext cx="0" cy="0"/>
+          <a:chOff x="0" y="0"/>
+          <a:chExt cx="0" cy="0"/>
+        </a:xfrm>
+      </p:grpSpPr>
+      <p:sp>
+        <p:nvSpPr>
+          <p:cNvPr id="2" name="머리글 개체 틀 1"/>
+          <p:cNvSpPr>
+            <a:spLocks noGrp="1"/>
+          </p:cNvSpPr>
+          <p:nvPr>
+            <p:ph type="hdr" sz="quarter"/>
+          </p:nvPr>
+        </p:nvSpPr>
+        <p:spPr>
+          <a:xfrm>
+            <a:off x="0" y="0"/>
+            <a:ext cx="2971800" cy="458788"/>
+          </a:xfrm>
+          <a:prstGeom prst="rect">
+            <a:avLst/>
+          </a:prstGeom>
+        </p:spPr>
+        <p:txBody>
+          <a:bodyPr vert="horz" lIns="91440" tIns="45720" rIns="91440" bIns="45720" rtlCol="0"/>
+          <a:lstStyle>
+            <a:lvl1pPr algn="l">
+              <a:defRPr sz="1200"/>
+            </a:lvl1pPr>
+          </a:lstStyle>
+          <a:p>
+            <a:endParaRPr lang="ko-KR" altLang="en-US"/>
+          </a:p>
+        </p:txBody>
+      </p:sp>
+      <p:sp>
+        <p:nvSpPr>
+          <p:cNvPr id="3" name="날짜 개체 틀 2"/>
+          <p:cNvSpPr>
+            <a:spLocks noGrp="1"/>
+          </p:cNvSpPr>
+          <p:nvPr>
+            <p:ph type="dt" idx="1"/>
+          </p:nvPr>
+        </p:nvSpPr>
+        <p:spPr>
+          <a:xfrm>
+            <a:off x="3884613" y="0"/>
+            <a:ext cx="2971800" cy="458788"/>
+          </a:xfrm>
+          <a:prstGeom prst="rect">
+            <a:avLst/>
+          </a:prstGeom>
+        </p:spPr>
+        <p:txBody>
+          <a:bodyPr vert="horz" lIns="91440" tIns="45720" rIns="91440" bIns="45720" rtlCol="0"/>
+          <a:lstStyle>
+            <a:lvl1pPr algn="r">
+              <a:defRPr sz="1200"/>
+            </a:lvl1pPr>
+          </a:lstStyle>
+          <a:p>
+            <a:fld id="{26AA3A35-F6C3-41AA-88BA-9ED06C71FD37}" type="datetimeFigureOut">
+              <a:rPr lang="ko-KR" altLang="en-US" smtClean="0"/>
+              <a:t>2021-01-01</a:t>
+            </a:fld>
+            <a:endParaRPr lang="ko-KR" altLang="en-US"/>
+          </a:p>
+        </p:txBody>
+      </p:sp>
+      <p:sp>
+        <p:nvSpPr>
+          <p:cNvPr id="4" name="슬라이드 이미지 개체 틀 3"/>
+          <p:cNvSpPr>
+            <a:spLocks noGrp="1" noRot="1" noChangeAspect="1"/>
+          </p:cNvSpPr>
+          <p:nvPr>
+            <p:ph type="sldImg" idx="2"/>
+          </p:nvPr>
+        </p:nvSpPr>
+        <p:spPr>
+          <a:xfrm>
+            <a:off x="685800" y="1143000"/>
+            <a:ext cx="5486400" cy="3086100"/>
+          </a:xfrm>
+          <a:prstGeom prst="rect">
+            <a:avLst/>
+          </a:prstGeom>
+          <a:noFill/>
+          <a:ln w="12700">
+            <a:solidFill>
+              <a:prstClr val="black"/>
+            </a:solidFill>
+          </a:ln>
+        </p:spPr>
+        <p:txBody>
+          <a:bodyPr vert="horz" lIns="91440" tIns="45720" rIns="91440" bIns="45720" rtlCol="0" anchor="ctr"/>
+          <a:lstStyle/>
+          <a:p>
+            <a:endParaRPr lang="ko-KR" altLang="en-US"/>
+          </a:p>
+        </p:txBody>
+      </p:sp>
+      <p:sp>
+        <p:nvSpPr>
+          <p:cNvPr id="5" name="슬라이드 노트 개체 틀 4"/>
+          <p:cNvSpPr>
+            <a:spLocks noGrp="1"/>
+          </p:cNvSpPr>
+          <p:nvPr>
+            <p:ph type="body" sz="quarter" idx="3"/>
+          </p:nvPr>
+        </p:nvSpPr>
+        <p:spPr>
+          <a:xfrm>
+            <a:off x="685800" y="4400550"/>
+            <a:ext cx="5486400" cy="3600450"/>
+          </a:xfrm>
+          <a:prstGeom prst="rect">
+            <a:avLst/>
+          </a:prstGeom>
+        </p:spPr>
+        <p:txBody>
+          <a:bodyPr vert="horz" lIns="91440" tIns="45720" rIns="91440" bIns="45720" rtlCol="0"/>
+          <a:lstStyle/>
+          <a:p>
+            <a:pPr lvl="0"/>
+            <a:r>
+              <a:rPr lang="ko-KR" altLang="en-US"/>
+              <a:t>마스터 텍스트 스타일을 편집하려면 클릭</a:t>
+            </a:r>
+          </a:p>
+          <a:p>
+            <a:pPr lvl="1"/>
+            <a:r>
+              <a:rPr lang="ko-KR" altLang="en-US"/>
+              <a:t>두 번째 수준</a:t>
+            </a:r>
+          </a:p>
+          <a:p>
+            <a:pPr lvl="2"/>
+            <a:r>
+              <a:rPr lang="ko-KR" altLang="en-US"/>
+              <a:t>세 번째 수준</a:t>
+            </a:r>
+          </a:p>
+          <a:p>
+            <a:pPr lvl="3"/>
+            <a:r>
+              <a:rPr lang="ko-KR" altLang="en-US"/>
+              <a:t>네 번째 수준</a:t>
+            </a:r>
+          </a:p>
+          <a:p>
+            <a:pPr lvl="4"/>
+            <a:r>
+              <a:rPr lang="ko-KR" altLang="en-US"/>
+              <a:t>다섯 번째 수준</a:t>
+            </a:r>
+          </a:p>
+        </p:txBody>
+      </p:sp>
+      <p:sp>
+        <p:nvSpPr>
+          <p:cNvPr id="6" name="바닥글 개체 틀 5"/>
+          <p:cNvSpPr>
+            <a:spLocks noGrp="1"/>
+          </p:cNvSpPr>
+          <p:nvPr>
+            <p:ph type="ftr" sz="quarter" idx="4"/>
+          </p:nvPr>
+        </p:nvSpPr>
+        <p:spPr>
+          <a:xfrm>
+            <a:off x="0" y="8685213"/>
+            <a:ext cx="2971800" cy="458787"/>
+          </a:xfrm>
+          <a:prstGeom prst="rect">
+            <a:avLst/>
+          </a:prstGeom>
+        </p:spPr>
+        <p:txBody>
+          <a:bodyPr vert="horz" lIns="91440" tIns="45720" rIns="91440" bIns="45720" rtlCol="0" anchor="b"/>
+          <a:lstStyle>
+            <a:lvl1pPr algn="l">
+              <a:defRPr sz="1200"/>
+            </a:lvl1pPr>
+          </a:lstStyle>
+          <a:p>
+            <a:endParaRPr lang="ko-KR" altLang="en-US"/>
+          </a:p>
+        </p:txBody>
+      </p:sp>
+      <p:sp>
+        <p:nvSpPr>
+          <p:cNvPr id="7" name="슬라이드 번호 개체 틀 6"/>
+          <p:cNvSpPr>
+            <a:spLocks noGrp="1"/>
+          </p:cNvSpPr>
+          <p:nvPr>
+            <p:ph type="sldNum" sz="quarter" idx="5"/>
+          </p:nvPr>
+        </p:nvSpPr>
+        <p:spPr>
+          <a:xfrm>
+            <a:off x="3884613" y="8685213"/>
+            <a:ext cx="2971800" cy="458787"/>
+          </a:xfrm>
+          <a:prstGeom prst="rect">
+            <a:avLst/>
+          </a:prstGeom>
+        </p:spPr>
+        <p:txBody>
+          <a:bodyPr vert="horz" lIns="91440" tIns="45720" rIns="91440" bIns="45720" rtlCol="0" anchor="b"/>
+          <a:lstStyle>
+            <a:lvl1pPr algn="r">
+              <a:defRPr sz="1200"/>
+            </a:lvl1pPr>
+          </a:lstStyle>
+          <a:p>
+            <a:fld id="{0771F95B-FDCF-49CB-8965-A8F252831D62}" type="slidenum">
+              <a:rPr lang="ko-KR" altLang="en-US" smtClean="0"/>
+              <a:t>‹#›</a:t>
+            </a:fld>
+            <a:endParaRPr lang="ko-KR" altLang="en-US"/>
+          </a:p>
+        </p:txBody>
+      </p:sp>
+    </p:spTree>
+    <p:extLst>
+      <p:ext uri="{BB962C8B-B14F-4D97-AF65-F5344CB8AC3E}">
+        <p14:creationId xmlns:p14="http://schemas.microsoft.com/office/powerpoint/2010/main" val="3787744410"/>
+      </p:ext>
+    </p:extLst>
+  </p:cSld>
+  <p:clrMap bg1="lt1" tx1="dk1" bg2="lt2" tx2="dk2" accent1="accent1" accent2="accent2" accent3="accent3" accent4="accent4" accent5="accent5" accent6="accent6" hlink="hlink" folHlink="folHlink"/>
+  <p:notesStyle>
+    <a:lvl1pPr marL="0" algn="l" defTabSz="914400" rtl="0" eaLnBrk="1" latinLnBrk="1" hangingPunct="1">
+      <a:defRPr sz="1200" kern="1200">
+        <a:solidFill>
+          <a:schemeClr val="tx1"/>
+        </a:solidFill>
+        <a:latin typeface="+mn-lt"/>
+        <a:ea typeface="+mn-ea"/>
+        <a:cs typeface="+mn-cs"/>
+      </a:defRPr>
+    </a:lvl1pPr>
+    <a:lvl2pPr marL="457200" algn="l" defTabSz="914400" rtl="0" eaLnBrk="1" latinLnBrk="1" hangingPunct="1">
+      <a:defRPr sz="1200" kern="1200">
+        <a:solidFill>
+          <a:schemeClr val="tx1"/>
+        </a:solidFill>
+        <a:latin typeface="+mn-lt"/>
+        <a:ea typeface="+mn-ea"/>
+        <a:cs typeface="+mn-cs"/>
+      </a:defRPr>
+    </a:lvl2pPr>
+    <a:lvl3pPr marL="914400" algn="l" defTabSz="914400" rtl="0" eaLnBrk="1" latinLnBrk="1" hangingPunct="1">
+      <a:defRPr sz="1200" kern="1200">
+        <a:solidFill>
+          <a:schemeClr val="tx1"/>
+        </a:solidFill>
+        <a:latin typeface="+mn-lt"/>
+        <a:ea typeface="+mn-ea"/>
+        <a:cs typeface="+mn-cs"/>
+      </a:defRPr>
+    </a:lvl3pPr>
+    <a:lvl4pPr marL="1371600" algn="l" defTabSz="914400" rtl="0" eaLnBrk="1" latinLnBrk="1" hangingPunct="1">
+      <a:defRPr sz="1200" kern="1200">
+        <a:solidFill>
+          <a:schemeClr val="tx1"/>
+        </a:solidFill>
+        <a:latin typeface="+mn-lt"/>
+        <a:ea typeface="+mn-ea"/>
+        <a:cs typeface="+mn-cs"/>
+      </a:defRPr>
+    </a:lvl4pPr>
+    <a:lvl5pPr marL="1828800" algn="l" defTabSz="914400" rtl="0" eaLnBrk="1" latinLnBrk="1" hangingPunct="1">
+      <a:defRPr sz="1200" kern="1200">
+        <a:solidFill>
+          <a:schemeClr val="tx1"/>
+        </a:solidFill>
+        <a:latin typeface="+mn-lt"/>
+        <a:ea typeface="+mn-ea"/>
+        <a:cs typeface="+mn-cs"/>
+      </a:defRPr>
+    </a:lvl5pPr>
+    <a:lvl6pPr marL="2286000" algn="l" defTabSz="914400" rtl="0" eaLnBrk="1" latinLnBrk="1" hangingPunct="1">
+      <a:defRPr sz="1200" kern="1200">
+        <a:solidFill>
+          <a:schemeClr val="tx1"/>
+        </a:solidFill>
+        <a:latin typeface="+mn-lt"/>
+        <a:ea typeface="+mn-ea"/>
+        <a:cs typeface="+mn-cs"/>
+      </a:defRPr>
+    </a:lvl6pPr>
+    <a:lvl7pPr marL="2743200" algn="l" defTabSz="914400" rtl="0" eaLnBrk="1" latinLnBrk="1" hangingPunct="1">
+      <a:defRPr sz="1200" kern="1200">
+        <a:solidFill>
+          <a:schemeClr val="tx1"/>
+        </a:solidFill>
+        <a:latin typeface="+mn-lt"/>
+        <a:ea typeface="+mn-ea"/>
+        <a:cs typeface="+mn-cs"/>
+      </a:defRPr>
+    </a:lvl7pPr>
+    <a:lvl8pPr marL="3200400" algn="l" defTabSz="914400" rtl="0" eaLnBrk="1" latinLnBrk="1" hangingPunct="1">
+      <a:defRPr sz="1200" kern="1200">
+        <a:solidFill>
+          <a:schemeClr val="tx1"/>
+        </a:solidFill>
+        <a:latin typeface="+mn-lt"/>
+        <a:ea typeface="+mn-ea"/>
+        <a:cs typeface="+mn-cs"/>
+      </a:defRPr>
+    </a:lvl8pPr>
+    <a:lvl9pPr marL="3657600" algn="l" defTabSz="914400" rtl="0" eaLnBrk="1" latinLnBrk="1" hangingPunct="1">
+      <a:defRPr sz="1200" kern="1200">
+        <a:solidFill>
+          <a:schemeClr val="tx1"/>
+        </a:solidFill>
+        <a:latin typeface="+mn-lt"/>
+        <a:ea typeface="+mn-ea"/>
+        <a:cs typeface="+mn-cs"/>
+      </a:defRPr>
+    </a:lvl9pPr>
+  </p:notesStyle>
+</p:notesMaster>
+</file>
+
+<file path=ppt/notesSlides/notesSlide1.xml><?xml version="1.0" encoding="utf-8"?>
+<p:notes xmlns:a="http://schemas.openxmlformats.org/drawingml/2006/main" xmlns:r="http://schemas.openxmlformats.org/officeDocument/2006/relationships" xmlns:p="http://schemas.openxmlformats.org/presentationml/2006/main">
+  <p:cSld>
+    <p:spTree>
+      <p:nvGrpSpPr>
+        <p:cNvPr id="1" name=""/>
+        <p:cNvGrpSpPr/>
+        <p:nvPr/>
+      </p:nvGrpSpPr>
+      <p:grpSpPr>
+        <a:xfrm>
+          <a:off x="0" y="0"/>
+          <a:ext cx="0" cy="0"/>
+          <a:chOff x="0" y="0"/>
+          <a:chExt cx="0" cy="0"/>
+        </a:xfrm>
+      </p:grpSpPr>
+      <p:sp>
+        <p:nvSpPr>
+          <p:cNvPr id="2" name="슬라이드 이미지 개체 틀 1"/>
+          <p:cNvSpPr>
+            <a:spLocks noGrp="1" noRot="1" noChangeAspect="1"/>
+          </p:cNvSpPr>
+          <p:nvPr>
+            <p:ph type="sldImg"/>
+          </p:nvPr>
+        </p:nvSpPr>
+        <p:spPr/>
+      </p:sp>
+      <p:sp>
+        <p:nvSpPr>
+          <p:cNvPr id="3" name="슬라이드 노트 개체 틀 2"/>
+          <p:cNvSpPr>
+            <a:spLocks noGrp="1"/>
+          </p:cNvSpPr>
+          <p:nvPr>
+            <p:ph type="body" idx="1"/>
+          </p:nvPr>
+        </p:nvSpPr>
+        <p:spPr/>
+        <p:txBody>
+          <a:bodyPr/>
+          <a:lstStyle/>
+          <a:p>
+            <a:endParaRPr lang="ko-KR" altLang="en-US"/>
+          </a:p>
+        </p:txBody>
+      </p:sp>
+      <p:sp>
+        <p:nvSpPr>
+          <p:cNvPr id="4" name="슬라이드 번호 개체 틀 3"/>
+          <p:cNvSpPr>
+            <a:spLocks noGrp="1"/>
+          </p:cNvSpPr>
+          <p:nvPr>
+            <p:ph type="sldNum" sz="quarter" idx="5"/>
+          </p:nvPr>
+        </p:nvSpPr>
+        <p:spPr/>
+        <p:txBody>
+          <a:bodyPr/>
+          <a:lstStyle/>
+          <a:p>
+            <a:fld id="{0771F95B-FDCF-49CB-8965-A8F252831D62}" type="slidenum">
+              <a:rPr lang="ko-KR" altLang="en-US" smtClean="0"/>
+              <a:t>7</a:t>
+            </a:fld>
+            <a:endParaRPr lang="ko-KR" altLang="en-US"/>
+          </a:p>
+        </p:txBody>
+      </p:sp>
+    </p:spTree>
+    <p:extLst>
+      <p:ext uri="{BB962C8B-B14F-4D97-AF65-F5344CB8AC3E}">
+        <p14:creationId xmlns:p14="http://schemas.microsoft.com/office/powerpoint/2010/main" val="1048888857"/>
+      </p:ext>
+    </p:extLst>
+  </p:cSld>
+  <p:clrMapOvr>
+    <a:masterClrMapping/>
+  </p:clrMapOvr>
+</p:notes>
 </file>
 
 <file path=ppt/slideLayouts/slideLayout1.xml><?xml version="1.0" encoding="utf-8"?>
@@ -4969,6 +5407,565 @@
 </p:sld>
 </file>
 
+<file path=ppt/slides/slide7.xml><?xml version="1.0" encoding="utf-8"?>
+<p:sld xmlns:a="http://schemas.openxmlformats.org/drawingml/2006/main" xmlns:r="http://schemas.openxmlformats.org/officeDocument/2006/relationships" xmlns:p="http://schemas.openxmlformats.org/presentationml/2006/main">
+  <p:cSld>
+    <p:spTree>
+      <p:nvGrpSpPr>
+        <p:cNvPr id="1" name=""/>
+        <p:cNvGrpSpPr/>
+        <p:nvPr/>
+      </p:nvGrpSpPr>
+      <p:grpSpPr>
+        <a:xfrm>
+          <a:off x="0" y="0"/>
+          <a:ext cx="0" cy="0"/>
+          <a:chOff x="0" y="0"/>
+          <a:chExt cx="0" cy="0"/>
+        </a:xfrm>
+      </p:grpSpPr>
+      <p:sp>
+        <p:nvSpPr>
+          <p:cNvPr id="14" name="직사각형 13">
+            <a:extLst>
+              <a:ext uri="{FF2B5EF4-FFF2-40B4-BE49-F238E27FC236}">
+                <a16:creationId xmlns:a16="http://schemas.microsoft.com/office/drawing/2014/main" id="{DD972B8C-9BB4-4EC8-8C5A-26485AA3D149}"/>
+              </a:ext>
+            </a:extLst>
+          </p:cNvPr>
+          <p:cNvSpPr/>
+          <p:nvPr/>
+        </p:nvSpPr>
+        <p:spPr>
+          <a:xfrm>
+            <a:off x="3568700" y="2997200"/>
+            <a:ext cx="3886200" cy="584200"/>
+          </a:xfrm>
+          <a:prstGeom prst="rect">
+            <a:avLst/>
+          </a:prstGeom>
+          <a:solidFill>
+            <a:srgbClr val="F2F2F2"/>
+          </a:solidFill>
+          <a:ln>
+            <a:noFill/>
+          </a:ln>
+        </p:spPr>
+        <p:style>
+          <a:lnRef idx="2">
+            <a:schemeClr val="accent1">
+              <a:shade val="50000"/>
+            </a:schemeClr>
+          </a:lnRef>
+          <a:fillRef idx="1">
+            <a:schemeClr val="accent1"/>
+          </a:fillRef>
+          <a:effectRef idx="0">
+            <a:schemeClr val="accent1"/>
+          </a:effectRef>
+          <a:fontRef idx="minor">
+            <a:schemeClr val="lt1"/>
+          </a:fontRef>
+        </p:style>
+        <p:txBody>
+          <a:bodyPr rtlCol="0" anchor="ctr"/>
+          <a:lstStyle/>
+          <a:p>
+            <a:pPr algn="ctr"/>
+            <a:endParaRPr lang="ko-KR" altLang="en-US"/>
+          </a:p>
+        </p:txBody>
+      </p:sp>
+      <p:sp>
+        <p:nvSpPr>
+          <p:cNvPr id="15" name="직사각형 14">
+            <a:extLst>
+              <a:ext uri="{FF2B5EF4-FFF2-40B4-BE49-F238E27FC236}">
+                <a16:creationId xmlns:a16="http://schemas.microsoft.com/office/drawing/2014/main" id="{7087AAD7-22AC-4748-A213-64C7E54FA8EA}"/>
+              </a:ext>
+            </a:extLst>
+          </p:cNvPr>
+          <p:cNvSpPr/>
+          <p:nvPr/>
+        </p:nvSpPr>
+        <p:spPr>
+          <a:xfrm>
+            <a:off x="431801" y="1995487"/>
+            <a:ext cx="10248190" cy="584200"/>
+          </a:xfrm>
+          <a:prstGeom prst="rect">
+            <a:avLst/>
+          </a:prstGeom>
+          <a:solidFill>
+            <a:srgbClr val="F2F2F2"/>
+          </a:solidFill>
+          <a:ln>
+            <a:noFill/>
+          </a:ln>
+        </p:spPr>
+        <p:style>
+          <a:lnRef idx="2">
+            <a:schemeClr val="accent1">
+              <a:shade val="50000"/>
+            </a:schemeClr>
+          </a:lnRef>
+          <a:fillRef idx="1">
+            <a:schemeClr val="accent1"/>
+          </a:fillRef>
+          <a:effectRef idx="0">
+            <a:schemeClr val="accent1"/>
+          </a:effectRef>
+          <a:fontRef idx="minor">
+            <a:schemeClr val="lt1"/>
+          </a:fontRef>
+        </p:style>
+        <p:txBody>
+          <a:bodyPr rtlCol="0" anchor="ctr"/>
+          <a:lstStyle/>
+          <a:p>
+            <a:pPr algn="ctr"/>
+            <a:endParaRPr lang="ko-KR" altLang="en-US"/>
+          </a:p>
+        </p:txBody>
+      </p:sp>
+      <p:sp>
+        <p:nvSpPr>
+          <p:cNvPr id="16" name="직사각형 15">
+            <a:extLst>
+              <a:ext uri="{FF2B5EF4-FFF2-40B4-BE49-F238E27FC236}">
+                <a16:creationId xmlns:a16="http://schemas.microsoft.com/office/drawing/2014/main" id="{4AE8649D-8C3E-4A28-AB6C-8BB832E9A225}"/>
+              </a:ext>
+            </a:extLst>
+          </p:cNvPr>
+          <p:cNvSpPr/>
+          <p:nvPr/>
+        </p:nvSpPr>
+        <p:spPr>
+          <a:xfrm>
+            <a:off x="431801" y="2413000"/>
+            <a:ext cx="1702801" cy="2260600"/>
+          </a:xfrm>
+          <a:prstGeom prst="rect">
+            <a:avLst/>
+          </a:prstGeom>
+          <a:solidFill>
+            <a:srgbClr val="F2F2F2"/>
+          </a:solidFill>
+          <a:ln>
+            <a:noFill/>
+          </a:ln>
+        </p:spPr>
+        <p:style>
+          <a:lnRef idx="2">
+            <a:schemeClr val="accent1">
+              <a:shade val="50000"/>
+            </a:schemeClr>
+          </a:lnRef>
+          <a:fillRef idx="1">
+            <a:schemeClr val="accent1"/>
+          </a:fillRef>
+          <a:effectRef idx="0">
+            <a:schemeClr val="accent1"/>
+          </a:effectRef>
+          <a:fontRef idx="minor">
+            <a:schemeClr val="lt1"/>
+          </a:fontRef>
+        </p:style>
+        <p:txBody>
+          <a:bodyPr rtlCol="0" anchor="ctr"/>
+          <a:lstStyle/>
+          <a:p>
+            <a:pPr algn="ctr"/>
+            <a:endParaRPr lang="ko-KR" altLang="en-US"/>
+          </a:p>
+        </p:txBody>
+      </p:sp>
+      <p:pic>
+        <p:nvPicPr>
+          <p:cNvPr id="19" name="그림 18">
+            <a:extLst>
+              <a:ext uri="{FF2B5EF4-FFF2-40B4-BE49-F238E27FC236}">
+                <a16:creationId xmlns:a16="http://schemas.microsoft.com/office/drawing/2014/main" id="{C229D287-1616-4647-AC3E-DEAE5232E8A0}"/>
+              </a:ext>
+            </a:extLst>
+          </p:cNvPr>
+          <p:cNvPicPr>
+            <a:picLocks noChangeAspect="1"/>
+          </p:cNvPicPr>
+          <p:nvPr/>
+        </p:nvPicPr>
+        <p:blipFill>
+          <a:blip r:embed="rId3"/>
+          <a:stretch>
+            <a:fillRect/>
+          </a:stretch>
+        </p:blipFill>
+        <p:spPr>
+          <a:xfrm>
+            <a:off x="1512009" y="2468564"/>
+            <a:ext cx="8582025" cy="1809750"/>
+          </a:xfrm>
+          <a:prstGeom prst="rect">
+            <a:avLst/>
+          </a:prstGeom>
+        </p:spPr>
+      </p:pic>
+      <p:sp>
+        <p:nvSpPr>
+          <p:cNvPr id="21" name="직사각형 20">
+            <a:extLst>
+              <a:ext uri="{FF2B5EF4-FFF2-40B4-BE49-F238E27FC236}">
+                <a16:creationId xmlns:a16="http://schemas.microsoft.com/office/drawing/2014/main" id="{0CEF8DB0-0A50-41A0-B2CC-8D62FD6F426F}"/>
+              </a:ext>
+            </a:extLst>
+          </p:cNvPr>
+          <p:cNvSpPr/>
+          <p:nvPr/>
+        </p:nvSpPr>
+        <p:spPr>
+          <a:xfrm>
+            <a:off x="9862383" y="1995486"/>
+            <a:ext cx="1702801" cy="2678113"/>
+          </a:xfrm>
+          <a:prstGeom prst="rect">
+            <a:avLst/>
+          </a:prstGeom>
+          <a:solidFill>
+            <a:srgbClr val="F2F2F2"/>
+          </a:solidFill>
+          <a:ln>
+            <a:noFill/>
+          </a:ln>
+        </p:spPr>
+        <p:style>
+          <a:lnRef idx="2">
+            <a:schemeClr val="accent1">
+              <a:shade val="50000"/>
+            </a:schemeClr>
+          </a:lnRef>
+          <a:fillRef idx="1">
+            <a:schemeClr val="accent1"/>
+          </a:fillRef>
+          <a:effectRef idx="0">
+            <a:schemeClr val="accent1"/>
+          </a:effectRef>
+          <a:fontRef idx="minor">
+            <a:schemeClr val="lt1"/>
+          </a:fontRef>
+        </p:style>
+        <p:txBody>
+          <a:bodyPr rtlCol="0" anchor="ctr"/>
+          <a:lstStyle/>
+          <a:p>
+            <a:pPr algn="ctr"/>
+            <a:endParaRPr lang="ko-KR" altLang="en-US"/>
+          </a:p>
+        </p:txBody>
+      </p:sp>
+      <p:sp>
+        <p:nvSpPr>
+          <p:cNvPr id="22" name="직사각형 21">
+            <a:extLst>
+              <a:ext uri="{FF2B5EF4-FFF2-40B4-BE49-F238E27FC236}">
+                <a16:creationId xmlns:a16="http://schemas.microsoft.com/office/drawing/2014/main" id="{AD18A482-4DDC-4B45-94C6-8FD7C05AA567}"/>
+              </a:ext>
+            </a:extLst>
+          </p:cNvPr>
+          <p:cNvSpPr/>
+          <p:nvPr/>
+        </p:nvSpPr>
+        <p:spPr>
+          <a:xfrm>
+            <a:off x="9862382" y="2034382"/>
+            <a:ext cx="1702801" cy="2678113"/>
+          </a:xfrm>
+          <a:prstGeom prst="rect">
+            <a:avLst/>
+          </a:prstGeom>
+          <a:solidFill>
+            <a:srgbClr val="F2F2F2"/>
+          </a:solidFill>
+          <a:ln>
+            <a:noFill/>
+          </a:ln>
+        </p:spPr>
+        <p:style>
+          <a:lnRef idx="2">
+            <a:schemeClr val="accent1">
+              <a:shade val="50000"/>
+            </a:schemeClr>
+          </a:lnRef>
+          <a:fillRef idx="1">
+            <a:schemeClr val="accent1"/>
+          </a:fillRef>
+          <a:effectRef idx="0">
+            <a:schemeClr val="accent1"/>
+          </a:effectRef>
+          <a:fontRef idx="minor">
+            <a:schemeClr val="lt1"/>
+          </a:fontRef>
+        </p:style>
+        <p:txBody>
+          <a:bodyPr rtlCol="0" anchor="ctr"/>
+          <a:lstStyle/>
+          <a:p>
+            <a:pPr algn="ctr"/>
+            <a:endParaRPr lang="ko-KR" altLang="en-US"/>
+          </a:p>
+        </p:txBody>
+      </p:sp>
+      <p:sp>
+        <p:nvSpPr>
+          <p:cNvPr id="23" name="직사각형 22">
+            <a:extLst>
+              <a:ext uri="{FF2B5EF4-FFF2-40B4-BE49-F238E27FC236}">
+                <a16:creationId xmlns:a16="http://schemas.microsoft.com/office/drawing/2014/main" id="{9745337A-1DD2-4C59-8218-936748924B19}"/>
+              </a:ext>
+            </a:extLst>
+          </p:cNvPr>
+          <p:cNvSpPr/>
+          <p:nvPr/>
+        </p:nvSpPr>
+        <p:spPr>
+          <a:xfrm>
+            <a:off x="431800" y="4016377"/>
+            <a:ext cx="10007600" cy="696117"/>
+          </a:xfrm>
+          <a:prstGeom prst="rect">
+            <a:avLst/>
+          </a:prstGeom>
+          <a:solidFill>
+            <a:srgbClr val="F2F2F2"/>
+          </a:solidFill>
+          <a:ln>
+            <a:noFill/>
+          </a:ln>
+        </p:spPr>
+        <p:style>
+          <a:lnRef idx="2">
+            <a:schemeClr val="accent1">
+              <a:shade val="50000"/>
+            </a:schemeClr>
+          </a:lnRef>
+          <a:fillRef idx="1">
+            <a:schemeClr val="accent1"/>
+          </a:fillRef>
+          <a:effectRef idx="0">
+            <a:schemeClr val="accent1"/>
+          </a:effectRef>
+          <a:fontRef idx="minor">
+            <a:schemeClr val="lt1"/>
+          </a:fontRef>
+        </p:style>
+        <p:txBody>
+          <a:bodyPr rtlCol="0" anchor="ctr"/>
+          <a:lstStyle/>
+          <a:p>
+            <a:pPr algn="ctr"/>
+            <a:endParaRPr lang="ko-KR" altLang="en-US"/>
+          </a:p>
+        </p:txBody>
+      </p:sp>
+      <p:sp>
+        <p:nvSpPr>
+          <p:cNvPr id="24" name="직사각형 23">
+            <a:extLst>
+              <a:ext uri="{FF2B5EF4-FFF2-40B4-BE49-F238E27FC236}">
+                <a16:creationId xmlns:a16="http://schemas.microsoft.com/office/drawing/2014/main" id="{261E8883-D49F-42DD-94ED-990313D894A1}"/>
+              </a:ext>
+            </a:extLst>
+          </p:cNvPr>
+          <p:cNvSpPr/>
+          <p:nvPr/>
+        </p:nvSpPr>
+        <p:spPr>
+          <a:xfrm>
+            <a:off x="3574399" y="2870651"/>
+            <a:ext cx="4356100" cy="696117"/>
+          </a:xfrm>
+          <a:prstGeom prst="rect">
+            <a:avLst/>
+          </a:prstGeom>
+          <a:solidFill>
+            <a:srgbClr val="F2F2F2"/>
+          </a:solidFill>
+          <a:ln>
+            <a:noFill/>
+          </a:ln>
+        </p:spPr>
+        <p:style>
+          <a:lnRef idx="2">
+            <a:schemeClr val="accent1">
+              <a:shade val="50000"/>
+            </a:schemeClr>
+          </a:lnRef>
+          <a:fillRef idx="1">
+            <a:schemeClr val="accent1"/>
+          </a:fillRef>
+          <a:effectRef idx="0">
+            <a:schemeClr val="accent1"/>
+          </a:effectRef>
+          <a:fontRef idx="minor">
+            <a:schemeClr val="lt1"/>
+          </a:fontRef>
+        </p:style>
+        <p:txBody>
+          <a:bodyPr rtlCol="0" anchor="ctr"/>
+          <a:lstStyle/>
+          <a:p>
+            <a:pPr algn="ctr"/>
+            <a:endParaRPr lang="ko-KR" altLang="en-US"/>
+          </a:p>
+        </p:txBody>
+      </p:sp>
+    </p:spTree>
+    <p:extLst>
+      <p:ext uri="{BB962C8B-B14F-4D97-AF65-F5344CB8AC3E}">
+        <p14:creationId xmlns:p14="http://schemas.microsoft.com/office/powerpoint/2010/main" val="4203909229"/>
+      </p:ext>
+    </p:extLst>
+  </p:cSld>
+  <p:clrMapOvr>
+    <a:masterClrMapping/>
+  </p:clrMapOvr>
+</p:sld>
+</file>
+
+<file path=ppt/slides/slide8.xml><?xml version="1.0" encoding="utf-8"?>
+<p:sld xmlns:a="http://schemas.openxmlformats.org/drawingml/2006/main" xmlns:r="http://schemas.openxmlformats.org/officeDocument/2006/relationships" xmlns:p="http://schemas.openxmlformats.org/presentationml/2006/main">
+  <p:cSld>
+    <p:spTree>
+      <p:nvGrpSpPr>
+        <p:cNvPr id="1" name=""/>
+        <p:cNvGrpSpPr/>
+        <p:nvPr/>
+      </p:nvGrpSpPr>
+      <p:grpSpPr>
+        <a:xfrm>
+          <a:off x="0" y="0"/>
+          <a:ext cx="0" cy="0"/>
+          <a:chOff x="0" y="0"/>
+          <a:chExt cx="0" cy="0"/>
+        </a:xfrm>
+      </p:grpSpPr>
+      <p:pic>
+        <p:nvPicPr>
+          <p:cNvPr id="5" name="그림 4">
+            <a:extLst>
+              <a:ext uri="{FF2B5EF4-FFF2-40B4-BE49-F238E27FC236}">
+                <a16:creationId xmlns:a16="http://schemas.microsoft.com/office/drawing/2014/main" id="{FE89BBB2-4A64-4A72-876E-49F64F565BAE}"/>
+              </a:ext>
+            </a:extLst>
+          </p:cNvPr>
+          <p:cNvPicPr>
+            <a:picLocks noChangeAspect="1"/>
+          </p:cNvPicPr>
+          <p:nvPr/>
+        </p:nvPicPr>
+        <p:blipFill rotWithShape="1">
+          <a:blip r:embed="rId2"/>
+          <a:srcRect l="12120" t="9192" r="12120" b="11226"/>
+          <a:stretch/>
+        </p:blipFill>
+        <p:spPr>
+          <a:xfrm>
+            <a:off x="5430322" y="2290618"/>
+            <a:ext cx="1331356" cy="1331356"/>
+          </a:xfrm>
+          <a:prstGeom prst="rect">
+            <a:avLst/>
+          </a:prstGeom>
+        </p:spPr>
+      </p:pic>
+      <p:pic>
+        <p:nvPicPr>
+          <p:cNvPr id="8" name="그림 7">
+            <a:extLst>
+              <a:ext uri="{FF2B5EF4-FFF2-40B4-BE49-F238E27FC236}">
+                <a16:creationId xmlns:a16="http://schemas.microsoft.com/office/drawing/2014/main" id="{BCF83107-BA7E-4E6E-92BC-18A87C8168E6}"/>
+              </a:ext>
+            </a:extLst>
+          </p:cNvPr>
+          <p:cNvPicPr>
+            <a:picLocks noChangeAspect="1"/>
+          </p:cNvPicPr>
+          <p:nvPr/>
+        </p:nvPicPr>
+        <p:blipFill>
+          <a:blip r:embed="rId3"/>
+          <a:stretch>
+            <a:fillRect/>
+          </a:stretch>
+        </p:blipFill>
+        <p:spPr>
+          <a:xfrm>
+            <a:off x="1933575" y="1670092"/>
+            <a:ext cx="1735900" cy="1759201"/>
+          </a:xfrm>
+          <a:prstGeom prst="rect">
+            <a:avLst/>
+          </a:prstGeom>
+        </p:spPr>
+      </p:pic>
+      <p:sp>
+        <p:nvSpPr>
+          <p:cNvPr id="9" name="직사각형 8">
+            <a:extLst>
+              <a:ext uri="{FF2B5EF4-FFF2-40B4-BE49-F238E27FC236}">
+                <a16:creationId xmlns:a16="http://schemas.microsoft.com/office/drawing/2014/main" id="{0F222772-75FE-421C-BCDD-4DCA00BDCCD9}"/>
+              </a:ext>
+            </a:extLst>
+          </p:cNvPr>
+          <p:cNvSpPr/>
+          <p:nvPr/>
+        </p:nvSpPr>
+        <p:spPr>
+          <a:xfrm>
+            <a:off x="2111704" y="1862773"/>
+            <a:ext cx="1379641" cy="1379641"/>
+          </a:xfrm>
+          <a:prstGeom prst="rect">
+            <a:avLst/>
+          </a:prstGeom>
+        </p:spPr>
+        <p:style>
+          <a:lnRef idx="2">
+            <a:schemeClr val="accent1">
+              <a:shade val="50000"/>
+            </a:schemeClr>
+          </a:lnRef>
+          <a:fillRef idx="1">
+            <a:schemeClr val="accent1"/>
+          </a:fillRef>
+          <a:effectRef idx="0">
+            <a:schemeClr val="accent1"/>
+          </a:effectRef>
+          <a:fontRef idx="minor">
+            <a:schemeClr val="lt1"/>
+          </a:fontRef>
+        </p:style>
+        <p:txBody>
+          <a:bodyPr rtlCol="0" anchor="ctr"/>
+          <a:lstStyle/>
+          <a:p>
+            <a:pPr algn="ctr"/>
+            <a:endParaRPr lang="ko-KR" altLang="en-US"/>
+          </a:p>
+        </p:txBody>
+      </p:sp>
+    </p:spTree>
+    <p:extLst>
+      <p:ext uri="{BB962C8B-B14F-4D97-AF65-F5344CB8AC3E}">
+        <p14:creationId xmlns:p14="http://schemas.microsoft.com/office/powerpoint/2010/main" val="384306990"/>
+      </p:ext>
+    </p:extLst>
+  </p:cSld>
+  <p:clrMapOvr>
+    <a:masterClrMapping/>
+  </p:clrMapOvr>
+</p:sld>
+</file>
+
 <file path=ppt/theme/theme1.xml><?xml version="1.0" encoding="utf-8"?>
 <a:theme xmlns:a="http://schemas.openxmlformats.org/drawingml/2006/main" name="Office 테마">
   <a:themeElements>
@@ -5262,4 +6259,299 @@
     </a:ext>
   </a:extLst>
 </a:theme>
+</file>
+
+<file path=ppt/theme/theme2.xml><?xml version="1.0" encoding="utf-8"?>
+<a:theme xmlns:a="http://schemas.openxmlformats.org/drawingml/2006/main" name="Office 테마">
+  <a:themeElements>
+    <a:clrScheme name="Office">
+      <a:dk1>
+        <a:sysClr val="windowText" lastClr="000000"/>
+      </a:dk1>
+      <a:lt1>
+        <a:sysClr val="window" lastClr="FFFFFF"/>
+      </a:lt1>
+      <a:dk2>
+        <a:srgbClr val="44546A"/>
+      </a:dk2>
+      <a:lt2>
+        <a:srgbClr val="E7E6E6"/>
+      </a:lt2>
+      <a:accent1>
+        <a:srgbClr val="4472C4"/>
+      </a:accent1>
+      <a:accent2>
+        <a:srgbClr val="ED7D31"/>
+      </a:accent2>
+      <a:accent3>
+        <a:srgbClr val="A5A5A5"/>
+      </a:accent3>
+      <a:accent4>
+        <a:srgbClr val="FFC000"/>
+      </a:accent4>
+      <a:accent5>
+        <a:srgbClr val="5B9BD5"/>
+      </a:accent5>
+      <a:accent6>
+        <a:srgbClr val="70AD47"/>
+      </a:accent6>
+      <a:hlink>
+        <a:srgbClr val="0563C1"/>
+      </a:hlink>
+      <a:folHlink>
+        <a:srgbClr val="954F72"/>
+      </a:folHlink>
+    </a:clrScheme>
+    <a:fontScheme name="Office">
+      <a:majorFont>
+        <a:latin typeface="맑은 고딕" panose="020F0302020204030204"/>
+        <a:ea typeface=""/>
+        <a:cs typeface=""/>
+        <a:font script="Jpan" typeface="游ゴシック Light"/>
+        <a:font script="Hang" typeface="맑은 고딕"/>
+        <a:font script="Hans" typeface="等线 Light"/>
+        <a:font script="Hant" typeface="新細明體"/>
+        <a:font script="Arab" typeface="Times New Roman"/>
+        <a:font script="Hebr" typeface="Times New Roman"/>
+        <a:font script="Thai" typeface="Angsana New"/>
+        <a:font script="Ethi" typeface="Nyala"/>
+        <a:font script="Beng" typeface="Vrinda"/>
+        <a:font script="Gujr" typeface="Shruti"/>
+        <a:font script="Khmr" typeface="MoolBoran"/>
+        <a:font script="Knda" typeface="Tunga"/>
+        <a:font script="Guru" typeface="Raavi"/>
+        <a:font script="Cans" typeface="Euphemia"/>
+        <a:font script="Cher" typeface="Plantagenet Cherokee"/>
+        <a:font script="Yiii" typeface="Microsoft Yi Baiti"/>
+        <a:font script="Tibt" typeface="Microsoft Himalaya"/>
+        <a:font script="Thaa" typeface="MV Boli"/>
+        <a:font script="Deva" typeface="Mangal"/>
+        <a:font script="Telu" typeface="Gautami"/>
+        <a:font script="Taml" typeface="Latha"/>
+        <a:font script="Syrc" typeface="Estrangelo Edessa"/>
+        <a:font script="Orya" typeface="Kalinga"/>
+        <a:font script="Mlym" typeface="Kartika"/>
+        <a:font script="Laoo" typeface="DokChampa"/>
+        <a:font script="Sinh" typeface="Iskoola Pota"/>
+        <a:font script="Mong" typeface="Mongolian Baiti"/>
+        <a:font script="Viet" typeface="Times New Roman"/>
+        <a:font script="Uigh" typeface="Microsoft Uighur"/>
+        <a:font script="Geor" typeface="Sylfaen"/>
+        <a:font script="Armn" typeface="Arial"/>
+        <a:font script="Bugi" typeface="Leelawadee UI"/>
+        <a:font script="Bopo" typeface="Microsoft JhengHei"/>
+        <a:font script="Java" typeface="Javanese Text"/>
+        <a:font script="Lisu" typeface="Segoe UI"/>
+        <a:font script="Mymr" typeface="Myanmar Text"/>
+        <a:font script="Nkoo" typeface="Ebrima"/>
+        <a:font script="Olck" typeface="Nirmala UI"/>
+        <a:font script="Osma" typeface="Ebrima"/>
+        <a:font script="Phag" typeface="Phagspa"/>
+        <a:font script="Syrn" typeface="Estrangelo Edessa"/>
+        <a:font script="Syrj" typeface="Estrangelo Edessa"/>
+        <a:font script="Syre" typeface="Estrangelo Edessa"/>
+        <a:font script="Sora" typeface="Nirmala UI"/>
+        <a:font script="Tale" typeface="Microsoft Tai Le"/>
+        <a:font script="Talu" typeface="Microsoft New Tai Lue"/>
+        <a:font script="Tfng" typeface="Ebrima"/>
+      </a:majorFont>
+      <a:minorFont>
+        <a:latin typeface="맑은 고딕" panose="020F0502020204030204"/>
+        <a:ea typeface=""/>
+        <a:cs typeface=""/>
+        <a:font script="Jpan" typeface="游ゴシック"/>
+        <a:font script="Hang" typeface="맑은 고딕"/>
+        <a:font script="Hans" typeface="等线"/>
+        <a:font script="Hant" typeface="新細明體"/>
+        <a:font script="Arab" typeface="Arial"/>
+        <a:font script="Hebr" typeface="Arial"/>
+        <a:font script="Thai" typeface="Cordia New"/>
+        <a:font script="Ethi" typeface="Nyala"/>
+        <a:font script="Beng" typeface="Vrinda"/>
+        <a:font script="Gujr" typeface="Shruti"/>
+        <a:font script="Khmr" typeface="DaunPenh"/>
+        <a:font script="Knda" typeface="Tunga"/>
+        <a:font script="Guru" typeface="Raavi"/>
+        <a:font script="Cans" typeface="Euphemia"/>
+        <a:font script="Cher" typeface="Plantagenet Cherokee"/>
+        <a:font script="Yiii" typeface="Microsoft Yi Baiti"/>
+        <a:font script="Tibt" typeface="Microsoft Himalaya"/>
+        <a:font script="Thaa" typeface="MV Boli"/>
+        <a:font script="Deva" typeface="Mangal"/>
+        <a:font script="Telu" typeface="Gautami"/>
+        <a:font script="Taml" typeface="Latha"/>
+        <a:font script="Syrc" typeface="Estrangelo Edessa"/>
+        <a:font script="Orya" typeface="Kalinga"/>
+        <a:font script="Mlym" typeface="Kartika"/>
+        <a:font script="Laoo" typeface="DokChampa"/>
+        <a:font script="Sinh" typeface="Iskoola Pota"/>
+        <a:font script="Mong" typeface="Mongolian Baiti"/>
+        <a:font script="Viet" typeface="Arial"/>
+        <a:font script="Uigh" typeface="Microsoft Uighur"/>
+        <a:font script="Geor" typeface="Sylfaen"/>
+        <a:font script="Armn" typeface="Arial"/>
+        <a:font script="Bugi" typeface="Leelawadee UI"/>
+        <a:font script="Bopo" typeface="Microsoft JhengHei"/>
+        <a:font script="Java" typeface="Javanese Text"/>
+        <a:font script="Lisu" typeface="Segoe UI"/>
+        <a:font script="Mymr" typeface="Myanmar Text"/>
+        <a:font script="Nkoo" typeface="Ebrima"/>
+        <a:font script="Olck" typeface="Nirmala UI"/>
+        <a:font script="Osma" typeface="Ebrima"/>
+        <a:font script="Phag" typeface="Phagspa"/>
+        <a:font script="Syrn" typeface="Estrangelo Edessa"/>
+        <a:font script="Syrj" typeface="Estrangelo Edessa"/>
+        <a:font script="Syre" typeface="Estrangelo Edessa"/>
+        <a:font script="Sora" typeface="Nirmala UI"/>
+        <a:font script="Tale" typeface="Microsoft Tai Le"/>
+        <a:font script="Talu" typeface="Microsoft New Tai Lue"/>
+        <a:font script="Tfng" typeface="Ebrima"/>
+      </a:minorFont>
+    </a:fontScheme>
+    <a:fmtScheme name="Office">
+      <a:fillStyleLst>
+        <a:solidFill>
+          <a:schemeClr val="phClr"/>
+        </a:solidFill>
+        <a:gradFill rotWithShape="1">
+          <a:gsLst>
+            <a:gs pos="0">
+              <a:schemeClr val="phClr">
+                <a:lumMod val="110000"/>
+                <a:satMod val="105000"/>
+                <a:tint val="67000"/>
+              </a:schemeClr>
+            </a:gs>
+            <a:gs pos="50000">
+              <a:schemeClr val="phClr">
+                <a:lumMod val="105000"/>
+                <a:satMod val="103000"/>
+                <a:tint val="73000"/>
+              </a:schemeClr>
+            </a:gs>
+            <a:gs pos="100000">
+              <a:schemeClr val="phClr">
+                <a:lumMod val="105000"/>
+                <a:satMod val="109000"/>
+                <a:tint val="81000"/>
+              </a:schemeClr>
+            </a:gs>
+          </a:gsLst>
+          <a:lin ang="5400000" scaled="0"/>
+        </a:gradFill>
+        <a:gradFill rotWithShape="1">
+          <a:gsLst>
+            <a:gs pos="0">
+              <a:schemeClr val="phClr">
+                <a:satMod val="103000"/>
+                <a:lumMod val="102000"/>
+                <a:tint val="94000"/>
+              </a:schemeClr>
+            </a:gs>
+            <a:gs pos="50000">
+              <a:schemeClr val="phClr">
+                <a:satMod val="110000"/>
+                <a:lumMod val="100000"/>
+                <a:shade val="100000"/>
+              </a:schemeClr>
+            </a:gs>
+            <a:gs pos="100000">
+              <a:schemeClr val="phClr">
+                <a:lumMod val="99000"/>
+                <a:satMod val="120000"/>
+                <a:shade val="78000"/>
+              </a:schemeClr>
+            </a:gs>
+          </a:gsLst>
+          <a:lin ang="5400000" scaled="0"/>
+        </a:gradFill>
+      </a:fillStyleLst>
+      <a:lnStyleLst>
+        <a:ln w="6350" cap="flat" cmpd="sng" algn="ctr">
+          <a:solidFill>
+            <a:schemeClr val="phClr"/>
+          </a:solidFill>
+          <a:prstDash val="solid"/>
+          <a:miter lim="800000"/>
+        </a:ln>
+        <a:ln w="12700" cap="flat" cmpd="sng" algn="ctr">
+          <a:solidFill>
+            <a:schemeClr val="phClr"/>
+          </a:solidFill>
+          <a:prstDash val="solid"/>
+          <a:miter lim="800000"/>
+        </a:ln>
+        <a:ln w="19050" cap="flat" cmpd="sng" algn="ctr">
+          <a:solidFill>
+            <a:schemeClr val="phClr"/>
+          </a:solidFill>
+          <a:prstDash val="solid"/>
+          <a:miter lim="800000"/>
+        </a:ln>
+      </a:lnStyleLst>
+      <a:effectStyleLst>
+        <a:effectStyle>
+          <a:effectLst/>
+        </a:effectStyle>
+        <a:effectStyle>
+          <a:effectLst/>
+        </a:effectStyle>
+        <a:effectStyle>
+          <a:effectLst>
+            <a:outerShdw blurRad="57150" dist="19050" dir="5400000" algn="ctr" rotWithShape="0">
+              <a:srgbClr val="000000">
+                <a:alpha val="63000"/>
+              </a:srgbClr>
+            </a:outerShdw>
+          </a:effectLst>
+        </a:effectStyle>
+      </a:effectStyleLst>
+      <a:bgFillStyleLst>
+        <a:solidFill>
+          <a:schemeClr val="phClr"/>
+        </a:solidFill>
+        <a:solidFill>
+          <a:schemeClr val="phClr">
+            <a:tint val="95000"/>
+            <a:satMod val="170000"/>
+          </a:schemeClr>
+        </a:solidFill>
+        <a:gradFill rotWithShape="1">
+          <a:gsLst>
+            <a:gs pos="0">
+              <a:schemeClr val="phClr">
+                <a:tint val="93000"/>
+                <a:satMod val="150000"/>
+                <a:shade val="98000"/>
+                <a:lumMod val="102000"/>
+              </a:schemeClr>
+            </a:gs>
+            <a:gs pos="50000">
+              <a:schemeClr val="phClr">
+                <a:tint val="98000"/>
+                <a:satMod val="130000"/>
+                <a:shade val="90000"/>
+                <a:lumMod val="103000"/>
+              </a:schemeClr>
+            </a:gs>
+            <a:gs pos="100000">
+              <a:schemeClr val="phClr">
+                <a:shade val="63000"/>
+                <a:satMod val="120000"/>
+              </a:schemeClr>
+            </a:gs>
+          </a:gsLst>
+          <a:lin ang="5400000" scaled="0"/>
+        </a:gradFill>
+      </a:bgFillStyleLst>
+    </a:fmtScheme>
+  </a:themeElements>
+  <a:objectDefaults/>
+  <a:extraClrSchemeLst/>
+  <a:extLst>
+    <a:ext uri="{05A4C25C-085E-4340-85A3-A5531E510DB2}">
+      <thm15:themeFamily xmlns:thm15="http://schemas.microsoft.com/office/thememl/2012/main" name="Office Theme" id="{62F939B6-93AF-4DB8-9C6B-D6C7DFDC589F}" vid="{4A3C46E8-61CC-4603-A589-7422A47A8E4A}"/>
+    </a:ext>
+  </a:extLst>
+</a:theme>
 </file>
--- a/img/img.pptx
+++ b/img/img.pptx
@@ -5,7 +5,7 @@
     <p:sldMasterId id="2147483648" r:id="rId1"/>
   </p:sldMasterIdLst>
   <p:notesMasterIdLst>
-    <p:notesMasterId r:id="rId10"/>
+    <p:notesMasterId r:id="rId11"/>
   </p:notesMasterIdLst>
   <p:sldIdLst>
     <p:sldId id="256" r:id="rId2"/>
@@ -15,7 +15,8 @@
     <p:sldId id="260" r:id="rId6"/>
     <p:sldId id="261" r:id="rId7"/>
     <p:sldId id="262" r:id="rId8"/>
-    <p:sldId id="263" r:id="rId9"/>
+    <p:sldId id="264" r:id="rId9"/>
+    <p:sldId id="263" r:id="rId10"/>
   </p:sldIdLst>
   <p:sldSz cx="12192000" cy="6858000"/>
   <p:notesSz cx="6858000" cy="9144000"/>
@@ -204,7 +205,7 @@
           <a:p>
             <a:fld id="{26AA3A35-F6C3-41AA-88BA-9ED06C71FD37}" type="datetimeFigureOut">
               <a:rPr lang="ko-KR" altLang="en-US" smtClean="0"/>
-              <a:t>2021-01-01</a:t>
+              <a:t>2021. 2. 19.</a:t>
             </a:fld>
             <a:endParaRPr lang="ko-KR" altLang="en-US"/>
           </a:p>
@@ -702,7 +703,7 @@
           <a:p>
             <a:fld id="{B24269AA-6B5D-4D5A-B50E-E1467D37A8CC}" type="datetimeFigureOut">
               <a:rPr lang="ko-KR" altLang="en-US" smtClean="0"/>
-              <a:t>2021-01-01</a:t>
+              <a:t>2021. 2. 19.</a:t>
             </a:fld>
             <a:endParaRPr lang="ko-KR" altLang="en-US"/>
           </a:p>
@@ -900,7 +901,7 @@
           <a:p>
             <a:fld id="{B24269AA-6B5D-4D5A-B50E-E1467D37A8CC}" type="datetimeFigureOut">
               <a:rPr lang="ko-KR" altLang="en-US" smtClean="0"/>
-              <a:t>2021-01-01</a:t>
+              <a:t>2021. 2. 19.</a:t>
             </a:fld>
             <a:endParaRPr lang="ko-KR" altLang="en-US"/>
           </a:p>
@@ -1108,7 +1109,7 @@
           <a:p>
             <a:fld id="{B24269AA-6B5D-4D5A-B50E-E1467D37A8CC}" type="datetimeFigureOut">
               <a:rPr lang="ko-KR" altLang="en-US" smtClean="0"/>
-              <a:t>2021-01-01</a:t>
+              <a:t>2021. 2. 19.</a:t>
             </a:fld>
             <a:endParaRPr lang="ko-KR" altLang="en-US"/>
           </a:p>
@@ -1306,7 +1307,7 @@
           <a:p>
             <a:fld id="{B24269AA-6B5D-4D5A-B50E-E1467D37A8CC}" type="datetimeFigureOut">
               <a:rPr lang="ko-KR" altLang="en-US" smtClean="0"/>
-              <a:t>2021-01-01</a:t>
+              <a:t>2021. 2. 19.</a:t>
             </a:fld>
             <a:endParaRPr lang="ko-KR" altLang="en-US"/>
           </a:p>
@@ -1581,7 +1582,7 @@
           <a:p>
             <a:fld id="{B24269AA-6B5D-4D5A-B50E-E1467D37A8CC}" type="datetimeFigureOut">
               <a:rPr lang="ko-KR" altLang="en-US" smtClean="0"/>
-              <a:t>2021-01-01</a:t>
+              <a:t>2021. 2. 19.</a:t>
             </a:fld>
             <a:endParaRPr lang="ko-KR" altLang="en-US"/>
           </a:p>
@@ -1846,7 +1847,7 @@
           <a:p>
             <a:fld id="{B24269AA-6B5D-4D5A-B50E-E1467D37A8CC}" type="datetimeFigureOut">
               <a:rPr lang="ko-KR" altLang="en-US" smtClean="0"/>
-              <a:t>2021-01-01</a:t>
+              <a:t>2021. 2. 19.</a:t>
             </a:fld>
             <a:endParaRPr lang="ko-KR" altLang="en-US"/>
           </a:p>
@@ -2258,7 +2259,7 @@
           <a:p>
             <a:fld id="{B24269AA-6B5D-4D5A-B50E-E1467D37A8CC}" type="datetimeFigureOut">
               <a:rPr lang="ko-KR" altLang="en-US" smtClean="0"/>
-              <a:t>2021-01-01</a:t>
+              <a:t>2021. 2. 19.</a:t>
             </a:fld>
             <a:endParaRPr lang="ko-KR" altLang="en-US"/>
           </a:p>
@@ -2399,7 +2400,7 @@
           <a:p>
             <a:fld id="{B24269AA-6B5D-4D5A-B50E-E1467D37A8CC}" type="datetimeFigureOut">
               <a:rPr lang="ko-KR" altLang="en-US" smtClean="0"/>
-              <a:t>2021-01-01</a:t>
+              <a:t>2021. 2. 19.</a:t>
             </a:fld>
             <a:endParaRPr lang="ko-KR" altLang="en-US"/>
           </a:p>
@@ -2512,7 +2513,7 @@
           <a:p>
             <a:fld id="{B24269AA-6B5D-4D5A-B50E-E1467D37A8CC}" type="datetimeFigureOut">
               <a:rPr lang="ko-KR" altLang="en-US" smtClean="0"/>
-              <a:t>2021-01-01</a:t>
+              <a:t>2021. 2. 19.</a:t>
             </a:fld>
             <a:endParaRPr lang="ko-KR" altLang="en-US"/>
           </a:p>
@@ -2823,7 +2824,7 @@
           <a:p>
             <a:fld id="{B24269AA-6B5D-4D5A-B50E-E1467D37A8CC}" type="datetimeFigureOut">
               <a:rPr lang="ko-KR" altLang="en-US" smtClean="0"/>
-              <a:t>2021-01-01</a:t>
+              <a:t>2021. 2. 19.</a:t>
             </a:fld>
             <a:endParaRPr lang="ko-KR" altLang="en-US"/>
           </a:p>
@@ -3111,7 +3112,7 @@
           <a:p>
             <a:fld id="{B24269AA-6B5D-4D5A-B50E-E1467D37A8CC}" type="datetimeFigureOut">
               <a:rPr lang="ko-KR" altLang="en-US" smtClean="0"/>
-              <a:t>2021-01-01</a:t>
+              <a:t>2021. 2. 19.</a:t>
             </a:fld>
             <a:endParaRPr lang="ko-KR" altLang="en-US"/>
           </a:p>
@@ -3352,7 +3353,7 @@
           <a:p>
             <a:fld id="{B24269AA-6B5D-4D5A-B50E-E1467D37A8CC}" type="datetimeFigureOut">
               <a:rPr lang="ko-KR" altLang="en-US" smtClean="0"/>
-              <a:t>2021-01-01</a:t>
+              <a:t>2021. 2. 19.</a:t>
             </a:fld>
             <a:endParaRPr lang="ko-KR" altLang="en-US"/>
           </a:p>
@@ -5848,6 +5849,302 @@
           <a:chExt cx="0" cy="0"/>
         </a:xfrm>
       </p:grpSpPr>
+      <p:grpSp>
+        <p:nvGrpSpPr>
+          <p:cNvPr id="7" name="그룹 6">
+            <a:extLst>
+              <a:ext uri="{FF2B5EF4-FFF2-40B4-BE49-F238E27FC236}">
+                <a16:creationId xmlns:a16="http://schemas.microsoft.com/office/drawing/2014/main" id="{54C32C9C-039C-9C4A-9239-60805F8700DE}"/>
+              </a:ext>
+            </a:extLst>
+          </p:cNvPr>
+          <p:cNvGrpSpPr/>
+          <p:nvPr/>
+        </p:nvGrpSpPr>
+        <p:grpSpPr>
+          <a:xfrm>
+            <a:off x="2921000" y="1962150"/>
+            <a:ext cx="6350000" cy="2933700"/>
+            <a:chOff x="2921000" y="1962150"/>
+            <a:chExt cx="6350000" cy="2933700"/>
+          </a:xfrm>
+        </p:grpSpPr>
+        <p:pic>
+          <p:nvPicPr>
+            <p:cNvPr id="5" name="그림 4">
+              <a:extLst>
+                <a:ext uri="{FF2B5EF4-FFF2-40B4-BE49-F238E27FC236}">
+                  <a16:creationId xmlns:a16="http://schemas.microsoft.com/office/drawing/2014/main" id="{00E67E87-BA95-4D4F-B0D9-71B4CB9093C8}"/>
+                </a:ext>
+              </a:extLst>
+            </p:cNvPr>
+            <p:cNvPicPr>
+              <a:picLocks noChangeAspect="1"/>
+            </p:cNvPicPr>
+            <p:nvPr/>
+          </p:nvPicPr>
+          <p:blipFill>
+            <a:blip r:embed="rId2">
+              <a:extLst>
+                <a:ext uri="{28A0092B-C50C-407E-A947-70E740481C1C}">
+                  <a14:useLocalDpi xmlns:a14="http://schemas.microsoft.com/office/drawing/2010/main" val="0"/>
+                </a:ext>
+              </a:extLst>
+            </a:blip>
+            <a:stretch>
+              <a:fillRect/>
+            </a:stretch>
+          </p:blipFill>
+          <p:spPr>
+            <a:xfrm>
+              <a:off x="2921000" y="1962150"/>
+              <a:ext cx="6350000" cy="2933700"/>
+            </a:xfrm>
+            <a:prstGeom prst="rect">
+              <a:avLst/>
+            </a:prstGeom>
+            <a:ln>
+              <a:solidFill>
+                <a:schemeClr val="tx1"/>
+              </a:solidFill>
+            </a:ln>
+          </p:spPr>
+        </p:pic>
+        <p:sp>
+          <p:nvSpPr>
+            <p:cNvPr id="6" name="직사각형 5">
+              <a:extLst>
+                <a:ext uri="{FF2B5EF4-FFF2-40B4-BE49-F238E27FC236}">
+                  <a16:creationId xmlns:a16="http://schemas.microsoft.com/office/drawing/2014/main" id="{BAEE03C1-B626-694C-9F27-B7E98A611B65}"/>
+                </a:ext>
+              </a:extLst>
+            </p:cNvPr>
+            <p:cNvSpPr/>
+            <p:nvPr/>
+          </p:nvSpPr>
+          <p:spPr>
+            <a:xfrm>
+              <a:off x="6494585" y="2954215"/>
+              <a:ext cx="1406769" cy="246185"/>
+            </a:xfrm>
+            <a:prstGeom prst="rect">
+              <a:avLst/>
+            </a:prstGeom>
+            <a:solidFill>
+              <a:schemeClr val="bg1"/>
+            </a:solidFill>
+            <a:ln>
+              <a:solidFill>
+                <a:schemeClr val="bg1"/>
+              </a:solidFill>
+            </a:ln>
+          </p:spPr>
+          <p:style>
+            <a:lnRef idx="2">
+              <a:schemeClr val="accent1">
+                <a:shade val="50000"/>
+              </a:schemeClr>
+            </a:lnRef>
+            <a:fillRef idx="1">
+              <a:schemeClr val="accent1"/>
+            </a:fillRef>
+            <a:effectRef idx="0">
+              <a:schemeClr val="accent1"/>
+            </a:effectRef>
+            <a:fontRef idx="minor">
+              <a:schemeClr val="lt1"/>
+            </a:fontRef>
+          </p:style>
+          <p:txBody>
+            <a:bodyPr rtlCol="0" anchor="ctr"/>
+            <a:lstStyle/>
+            <a:p>
+              <a:pPr algn="ctr"/>
+              <a:endParaRPr kumimoji="1" lang="ko-KR" altLang="en-US" dirty="0"/>
+            </a:p>
+          </p:txBody>
+        </p:sp>
+      </p:grpSp>
+      <p:sp>
+        <p:nvSpPr>
+          <p:cNvPr id="8" name="직사각형 7">
+            <a:extLst>
+              <a:ext uri="{FF2B5EF4-FFF2-40B4-BE49-F238E27FC236}">
+                <a16:creationId xmlns:a16="http://schemas.microsoft.com/office/drawing/2014/main" id="{C2BEC42A-1FCE-1B4D-95FF-51C5BFED14EF}"/>
+              </a:ext>
+            </a:extLst>
+          </p:cNvPr>
+          <p:cNvSpPr/>
+          <p:nvPr/>
+        </p:nvSpPr>
+        <p:spPr>
+          <a:xfrm>
+            <a:off x="6646985" y="3106615"/>
+            <a:ext cx="1406769" cy="246185"/>
+          </a:xfrm>
+          <a:prstGeom prst="rect">
+            <a:avLst/>
+          </a:prstGeom>
+          <a:solidFill>
+            <a:schemeClr val="bg1"/>
+          </a:solidFill>
+          <a:ln>
+            <a:solidFill>
+              <a:schemeClr val="bg1"/>
+            </a:solidFill>
+          </a:ln>
+        </p:spPr>
+        <p:style>
+          <a:lnRef idx="2">
+            <a:schemeClr val="accent1">
+              <a:shade val="50000"/>
+            </a:schemeClr>
+          </a:lnRef>
+          <a:fillRef idx="1">
+            <a:schemeClr val="accent1"/>
+          </a:fillRef>
+          <a:effectRef idx="0">
+            <a:schemeClr val="accent1"/>
+          </a:effectRef>
+          <a:fontRef idx="minor">
+            <a:schemeClr val="lt1"/>
+          </a:fontRef>
+        </p:style>
+        <p:txBody>
+          <a:bodyPr rtlCol="0" anchor="ctr"/>
+          <a:lstStyle/>
+          <a:p>
+            <a:pPr algn="ctr"/>
+            <a:endParaRPr kumimoji="1" lang="ko-KR" altLang="en-US" dirty="0"/>
+          </a:p>
+        </p:txBody>
+      </p:sp>
+      <p:sp>
+        <p:nvSpPr>
+          <p:cNvPr id="9" name="직사각형 8">
+            <a:extLst>
+              <a:ext uri="{FF2B5EF4-FFF2-40B4-BE49-F238E27FC236}">
+                <a16:creationId xmlns:a16="http://schemas.microsoft.com/office/drawing/2014/main" id="{3F3F4501-F315-9546-9CE7-DCBFC14D5A4D}"/>
+              </a:ext>
+            </a:extLst>
+          </p:cNvPr>
+          <p:cNvSpPr/>
+          <p:nvPr/>
+        </p:nvSpPr>
+        <p:spPr>
+          <a:xfrm>
+            <a:off x="6295293" y="2520461"/>
+            <a:ext cx="1406769" cy="246185"/>
+          </a:xfrm>
+          <a:prstGeom prst="rect">
+            <a:avLst/>
+          </a:prstGeom>
+          <a:solidFill>
+            <a:schemeClr val="bg1"/>
+          </a:solidFill>
+          <a:ln>
+            <a:solidFill>
+              <a:schemeClr val="bg1"/>
+            </a:solidFill>
+          </a:ln>
+        </p:spPr>
+        <p:style>
+          <a:lnRef idx="2">
+            <a:schemeClr val="accent1">
+              <a:shade val="50000"/>
+            </a:schemeClr>
+          </a:lnRef>
+          <a:fillRef idx="1">
+            <a:schemeClr val="accent1"/>
+          </a:fillRef>
+          <a:effectRef idx="0">
+            <a:schemeClr val="accent1"/>
+          </a:effectRef>
+          <a:fontRef idx="minor">
+            <a:schemeClr val="lt1"/>
+          </a:fontRef>
+        </p:style>
+        <p:txBody>
+          <a:bodyPr rtlCol="0" anchor="ctr"/>
+          <a:lstStyle/>
+          <a:p>
+            <a:pPr algn="ctr"/>
+            <a:endParaRPr kumimoji="1" lang="ko-KR" altLang="en-US" dirty="0"/>
+          </a:p>
+        </p:txBody>
+      </p:sp>
+      <p:sp>
+        <p:nvSpPr>
+          <p:cNvPr id="10" name="TextBox 9">
+            <a:extLst>
+              <a:ext uri="{FF2B5EF4-FFF2-40B4-BE49-F238E27FC236}">
+                <a16:creationId xmlns:a16="http://schemas.microsoft.com/office/drawing/2014/main" id="{4C5BD631-7250-E741-B674-2437CABD4FB2}"/>
+              </a:ext>
+            </a:extLst>
+          </p:cNvPr>
+          <p:cNvSpPr txBox="1"/>
+          <p:nvPr/>
+        </p:nvSpPr>
+        <p:spPr>
+          <a:xfrm>
+            <a:off x="6493609" y="2536539"/>
+            <a:ext cx="1899138" cy="276999"/>
+          </a:xfrm>
+          <a:prstGeom prst="rect">
+            <a:avLst/>
+          </a:prstGeom>
+          <a:noFill/>
+        </p:spPr>
+        <p:txBody>
+          <a:bodyPr wrap="square" rtlCol="0">
+            <a:spAutoFit/>
+          </a:bodyPr>
+          <a:lstStyle/>
+          <a:p>
+            <a:r>
+              <a:rPr kumimoji="1" lang="en-US" altLang="ko-KR" sz="1200" dirty="0">
+                <a:latin typeface="Malgun Gothic" panose="020B0503020000020004" pitchFamily="34" charset="-127"/>
+                <a:ea typeface="Malgun Gothic" panose="020B0503020000020004" pitchFamily="34" charset="-127"/>
+              </a:rPr>
+              <a:t>Covenant Ko</a:t>
+            </a:r>
+            <a:endParaRPr kumimoji="1" lang="ko-KR" altLang="en-US" sz="1200" dirty="0">
+              <a:latin typeface="Malgun Gothic" panose="020B0503020000020004" pitchFamily="34" charset="-127"/>
+              <a:ea typeface="Malgun Gothic" panose="020B0503020000020004" pitchFamily="34" charset="-127"/>
+            </a:endParaRPr>
+          </a:p>
+        </p:txBody>
+      </p:sp>
+    </p:spTree>
+    <p:extLst>
+      <p:ext uri="{BB962C8B-B14F-4D97-AF65-F5344CB8AC3E}">
+        <p14:creationId xmlns:p14="http://schemas.microsoft.com/office/powerpoint/2010/main" val="1073776328"/>
+      </p:ext>
+    </p:extLst>
+  </p:cSld>
+  <p:clrMapOvr>
+    <a:masterClrMapping/>
+  </p:clrMapOvr>
+</p:sld>
+</file>
+
+<file path=ppt/slides/slide9.xml><?xml version="1.0" encoding="utf-8"?>
+<p:sld xmlns:a="http://schemas.openxmlformats.org/drawingml/2006/main" xmlns:r="http://schemas.openxmlformats.org/officeDocument/2006/relationships" xmlns:p="http://schemas.openxmlformats.org/presentationml/2006/main">
+  <p:cSld>
+    <p:spTree>
+      <p:nvGrpSpPr>
+        <p:cNvPr id="1" name=""/>
+        <p:cNvGrpSpPr/>
+        <p:nvPr/>
+      </p:nvGrpSpPr>
+      <p:grpSpPr>
+        <a:xfrm>
+          <a:off x="0" y="0"/>
+          <a:ext cx="0" cy="0"/>
+          <a:chOff x="0" y="0"/>
+          <a:chExt cx="0" cy="0"/>
+        </a:xfrm>
+      </p:grpSpPr>
       <p:pic>
         <p:nvPicPr>
           <p:cNvPr id="5" name="그림 4">
@@ -6251,7 +6548,33 @@
       </a:bgFillStyleLst>
     </a:fmtScheme>
   </a:themeElements>
-  <a:objectDefaults/>
+  <a:objectDefaults>
+    <a:spDef>
+      <a:spPr/>
+      <a:bodyPr rtlCol="0" anchor="ctr"/>
+      <a:lstStyle>
+        <a:defPPr algn="ctr">
+          <a:defRPr kumimoji="1" dirty="0"/>
+        </a:defPPr>
+      </a:lstStyle>
+      <a:style>
+        <a:lnRef idx="2">
+          <a:schemeClr val="accent1">
+            <a:shade val="50000"/>
+          </a:schemeClr>
+        </a:lnRef>
+        <a:fillRef idx="1">
+          <a:schemeClr val="accent1"/>
+        </a:fillRef>
+        <a:effectRef idx="0">
+          <a:schemeClr val="accent1"/>
+        </a:effectRef>
+        <a:fontRef idx="minor">
+          <a:schemeClr val="lt1"/>
+        </a:fontRef>
+      </a:style>
+    </a:spDef>
+  </a:objectDefaults>
   <a:extraClrSchemeLst/>
   <a:extLst>
     <a:ext uri="{05A4C25C-085E-4340-85A3-A5531E510DB2}">
